--- a/papers/graduation thesis/BIT-thesis-template-grd/figures/c2/pictures.pptx
+++ b/papers/graduation thesis/BIT-thesis-template-grd/figures/c2/pictures.pptx
@@ -5,11 +5,12 @@
     <p:sldMasterId id="2147483648" r:id="rId1"/>
   </p:sldMasterIdLst>
   <p:notesMasterIdLst>
-    <p:notesMasterId r:id="rId4"/>
+    <p:notesMasterId r:id="rId5"/>
   </p:notesMasterIdLst>
   <p:sldIdLst>
-    <p:sldId id="256" r:id="rId2"/>
-    <p:sldId id="257" r:id="rId3"/>
+    <p:sldId id="258" r:id="rId2"/>
+    <p:sldId id="256" r:id="rId3"/>
+    <p:sldId id="257" r:id="rId4"/>
   </p:sldIdLst>
   <p:sldSz cx="12192000" cy="6858000"/>
   <p:notesSz cx="6858000" cy="9144000"/>
@@ -198,7 +199,7 @@
           <a:p>
             <a:fld id="{DFBD2350-0FC1-4CC8-9189-4554209681B9}" type="datetimeFigureOut">
               <a:rPr lang="zh-CN" altLang="en-US" smtClean="0"/>
-              <a:t>2020/3/12</a:t>
+              <a:t>2020/3/13</a:t>
             </a:fld>
             <a:endParaRPr lang="zh-CN" altLang="en-US"/>
           </a:p>
@@ -533,7 +534,7 @@
           <a:p>
             <a:fld id="{E98D1734-AC31-4D58-97A3-88797159F1A6}" type="slidenum">
               <a:rPr lang="zh-CN" altLang="en-US" smtClean="0"/>
-              <a:t>1</a:t>
+              <a:t>2</a:t>
             </a:fld>
             <a:endParaRPr lang="zh-CN" altLang="en-US"/>
           </a:p>
@@ -699,7 +700,7 @@
           <a:p>
             <a:fld id="{259E3DFB-078C-4AE7-9CA8-4F08B7C23DED}" type="datetimeFigureOut">
               <a:rPr lang="zh-CN" altLang="en-US" smtClean="0"/>
-              <a:t>2020/3/12</a:t>
+              <a:t>2020/3/13</a:t>
             </a:fld>
             <a:endParaRPr lang="zh-CN" altLang="en-US"/>
           </a:p>
@@ -897,7 +898,7 @@
           <a:p>
             <a:fld id="{259E3DFB-078C-4AE7-9CA8-4F08B7C23DED}" type="datetimeFigureOut">
               <a:rPr lang="zh-CN" altLang="en-US" smtClean="0"/>
-              <a:t>2020/3/12</a:t>
+              <a:t>2020/3/13</a:t>
             </a:fld>
             <a:endParaRPr lang="zh-CN" altLang="en-US"/>
           </a:p>
@@ -1105,7 +1106,7 @@
           <a:p>
             <a:fld id="{259E3DFB-078C-4AE7-9CA8-4F08B7C23DED}" type="datetimeFigureOut">
               <a:rPr lang="zh-CN" altLang="en-US" smtClean="0"/>
-              <a:t>2020/3/12</a:t>
+              <a:t>2020/3/13</a:t>
             </a:fld>
             <a:endParaRPr lang="zh-CN" altLang="en-US"/>
           </a:p>
@@ -1303,7 +1304,7 @@
           <a:p>
             <a:fld id="{259E3DFB-078C-4AE7-9CA8-4F08B7C23DED}" type="datetimeFigureOut">
               <a:rPr lang="zh-CN" altLang="en-US" smtClean="0"/>
-              <a:t>2020/3/12</a:t>
+              <a:t>2020/3/13</a:t>
             </a:fld>
             <a:endParaRPr lang="zh-CN" altLang="en-US"/>
           </a:p>
@@ -1578,7 +1579,7 @@
           <a:p>
             <a:fld id="{259E3DFB-078C-4AE7-9CA8-4F08B7C23DED}" type="datetimeFigureOut">
               <a:rPr lang="zh-CN" altLang="en-US" smtClean="0"/>
-              <a:t>2020/3/12</a:t>
+              <a:t>2020/3/13</a:t>
             </a:fld>
             <a:endParaRPr lang="zh-CN" altLang="en-US"/>
           </a:p>
@@ -1843,7 +1844,7 @@
           <a:p>
             <a:fld id="{259E3DFB-078C-4AE7-9CA8-4F08B7C23DED}" type="datetimeFigureOut">
               <a:rPr lang="zh-CN" altLang="en-US" smtClean="0"/>
-              <a:t>2020/3/12</a:t>
+              <a:t>2020/3/13</a:t>
             </a:fld>
             <a:endParaRPr lang="zh-CN" altLang="en-US"/>
           </a:p>
@@ -2255,7 +2256,7 @@
           <a:p>
             <a:fld id="{259E3DFB-078C-4AE7-9CA8-4F08B7C23DED}" type="datetimeFigureOut">
               <a:rPr lang="zh-CN" altLang="en-US" smtClean="0"/>
-              <a:t>2020/3/12</a:t>
+              <a:t>2020/3/13</a:t>
             </a:fld>
             <a:endParaRPr lang="zh-CN" altLang="en-US"/>
           </a:p>
@@ -2396,7 +2397,7 @@
           <a:p>
             <a:fld id="{259E3DFB-078C-4AE7-9CA8-4F08B7C23DED}" type="datetimeFigureOut">
               <a:rPr lang="zh-CN" altLang="en-US" smtClean="0"/>
-              <a:t>2020/3/12</a:t>
+              <a:t>2020/3/13</a:t>
             </a:fld>
             <a:endParaRPr lang="zh-CN" altLang="en-US"/>
           </a:p>
@@ -2509,7 +2510,7 @@
           <a:p>
             <a:fld id="{259E3DFB-078C-4AE7-9CA8-4F08B7C23DED}" type="datetimeFigureOut">
               <a:rPr lang="zh-CN" altLang="en-US" smtClean="0"/>
-              <a:t>2020/3/12</a:t>
+              <a:t>2020/3/13</a:t>
             </a:fld>
             <a:endParaRPr lang="zh-CN" altLang="en-US"/>
           </a:p>
@@ -2820,7 +2821,7 @@
           <a:p>
             <a:fld id="{259E3DFB-078C-4AE7-9CA8-4F08B7C23DED}" type="datetimeFigureOut">
               <a:rPr lang="zh-CN" altLang="en-US" smtClean="0"/>
-              <a:t>2020/3/12</a:t>
+              <a:t>2020/3/13</a:t>
             </a:fld>
             <a:endParaRPr lang="zh-CN" altLang="en-US"/>
           </a:p>
@@ -3108,7 +3109,7 @@
           <a:p>
             <a:fld id="{259E3DFB-078C-4AE7-9CA8-4F08B7C23DED}" type="datetimeFigureOut">
               <a:rPr lang="zh-CN" altLang="en-US" smtClean="0"/>
-              <a:t>2020/3/12</a:t>
+              <a:t>2020/3/13</a:t>
             </a:fld>
             <a:endParaRPr lang="zh-CN" altLang="en-US"/>
           </a:p>
@@ -3349,7 +3350,7 @@
           <a:p>
             <a:fld id="{259E3DFB-078C-4AE7-9CA8-4F08B7C23DED}" type="datetimeFigureOut">
               <a:rPr lang="zh-CN" altLang="en-US" smtClean="0"/>
-              <a:t>2020/3/12</a:t>
+              <a:t>2020/3/13</a:t>
             </a:fld>
             <a:endParaRPr lang="zh-CN" altLang="en-US"/>
           </a:p>
@@ -3766,6 +3767,496 @@
           <a:chExt cx="0" cy="0"/>
         </a:xfrm>
       </p:grpSpPr>
+      <p:cxnSp>
+        <p:nvCxnSpPr>
+          <p:cNvPr id="5" name="直接箭头连接符 4">
+            <a:extLst>
+              <a:ext uri="{FF2B5EF4-FFF2-40B4-BE49-F238E27FC236}">
+                <a16:creationId xmlns:a16="http://schemas.microsoft.com/office/drawing/2014/main" id="{52026493-73EA-471F-9718-DB49627C5AD1}"/>
+              </a:ext>
+            </a:extLst>
+          </p:cNvPr>
+          <p:cNvCxnSpPr/>
+          <p:nvPr/>
+        </p:nvCxnSpPr>
+        <p:spPr>
+          <a:xfrm>
+            <a:off x="2026763" y="4032317"/>
+            <a:ext cx="0" cy="980387"/>
+          </a:xfrm>
+          <a:prstGeom prst="straightConnector1">
+            <a:avLst/>
+          </a:prstGeom>
+          <a:ln>
+            <a:tailEnd type="triangle"/>
+          </a:ln>
+        </p:spPr>
+        <p:style>
+          <a:lnRef idx="1">
+            <a:schemeClr val="accent1"/>
+          </a:lnRef>
+          <a:fillRef idx="0">
+            <a:schemeClr val="accent1"/>
+          </a:fillRef>
+          <a:effectRef idx="0">
+            <a:schemeClr val="accent1"/>
+          </a:effectRef>
+          <a:fontRef idx="minor">
+            <a:schemeClr val="tx1"/>
+          </a:fontRef>
+        </p:style>
+      </p:cxnSp>
+      <p:cxnSp>
+        <p:nvCxnSpPr>
+          <p:cNvPr id="7" name="直接箭头连接符 6">
+            <a:extLst>
+              <a:ext uri="{FF2B5EF4-FFF2-40B4-BE49-F238E27FC236}">
+                <a16:creationId xmlns:a16="http://schemas.microsoft.com/office/drawing/2014/main" id="{63202549-FD77-4876-9010-A4DDB16957E9}"/>
+              </a:ext>
+            </a:extLst>
+          </p:cNvPr>
+          <p:cNvCxnSpPr/>
+          <p:nvPr/>
+        </p:nvCxnSpPr>
+        <p:spPr>
+          <a:xfrm>
+            <a:off x="2026763" y="4032317"/>
+            <a:ext cx="1070005" cy="0"/>
+          </a:xfrm>
+          <a:prstGeom prst="straightConnector1">
+            <a:avLst/>
+          </a:prstGeom>
+          <a:ln>
+            <a:tailEnd type="triangle"/>
+          </a:ln>
+        </p:spPr>
+        <p:style>
+          <a:lnRef idx="1">
+            <a:schemeClr val="accent1"/>
+          </a:lnRef>
+          <a:fillRef idx="0">
+            <a:schemeClr val="accent1"/>
+          </a:fillRef>
+          <a:effectRef idx="0">
+            <a:schemeClr val="accent1"/>
+          </a:effectRef>
+          <a:fontRef idx="minor">
+            <a:schemeClr val="tx1"/>
+          </a:fontRef>
+        </p:style>
+      </p:cxnSp>
+      <p:cxnSp>
+        <p:nvCxnSpPr>
+          <p:cNvPr id="9" name="直接箭头连接符 8">
+            <a:extLst>
+              <a:ext uri="{FF2B5EF4-FFF2-40B4-BE49-F238E27FC236}">
+                <a16:creationId xmlns:a16="http://schemas.microsoft.com/office/drawing/2014/main" id="{0BCABB3B-17F9-4CFA-BB57-5F849D14BC14}"/>
+              </a:ext>
+            </a:extLst>
+          </p:cNvPr>
+          <p:cNvCxnSpPr/>
+          <p:nvPr/>
+        </p:nvCxnSpPr>
+        <p:spPr>
+          <a:xfrm flipV="1">
+            <a:off x="2026763" y="3371088"/>
+            <a:ext cx="722533" cy="661229"/>
+          </a:xfrm>
+          <a:prstGeom prst="straightConnector1">
+            <a:avLst/>
+          </a:prstGeom>
+          <a:ln>
+            <a:tailEnd type="triangle"/>
+          </a:ln>
+        </p:spPr>
+        <p:style>
+          <a:lnRef idx="1">
+            <a:schemeClr val="accent1"/>
+          </a:lnRef>
+          <a:fillRef idx="0">
+            <a:schemeClr val="accent1"/>
+          </a:fillRef>
+          <a:effectRef idx="0">
+            <a:schemeClr val="accent1"/>
+          </a:effectRef>
+          <a:fontRef idx="minor">
+            <a:schemeClr val="tx1"/>
+          </a:fontRef>
+        </p:style>
+      </p:cxnSp>
+      <p:pic>
+        <p:nvPicPr>
+          <p:cNvPr id="12" name="图片 11" descr="图片包含 游戏机&#10;&#10;描述已自动生成">
+            <a:extLst>
+              <a:ext uri="{FF2B5EF4-FFF2-40B4-BE49-F238E27FC236}">
+                <a16:creationId xmlns:a16="http://schemas.microsoft.com/office/drawing/2014/main" id="{8FEC689E-3151-4D41-B7B1-721C972A6598}"/>
+              </a:ext>
+            </a:extLst>
+          </p:cNvPr>
+          <p:cNvPicPr>
+            <a:picLocks noChangeAspect="1"/>
+          </p:cNvPicPr>
+          <p:nvPr/>
+        </p:nvPicPr>
+        <p:blipFill>
+          <a:blip r:embed="rId2">
+            <a:extLst>
+              <a:ext uri="{28A0092B-C50C-407E-A947-70E740481C1C}">
+                <a14:useLocalDpi xmlns:a14="http://schemas.microsoft.com/office/drawing/2010/main" val="0"/>
+              </a:ext>
+            </a:extLst>
+          </a:blip>
+          <a:stretch>
+            <a:fillRect/>
+          </a:stretch>
+        </p:blipFill>
+        <p:spPr>
+          <a:xfrm rot="3592301">
+            <a:off x="4375098" y="2621198"/>
+            <a:ext cx="512185" cy="678803"/>
+          </a:xfrm>
+          <a:prstGeom prst="rect">
+            <a:avLst/>
+          </a:prstGeom>
+        </p:spPr>
+      </p:pic>
+      <p:pic>
+        <p:nvPicPr>
+          <p:cNvPr id="13" name="图片 12" descr="图片包含 游戏机&#10;&#10;描述已自动生成">
+            <a:extLst>
+              <a:ext uri="{FF2B5EF4-FFF2-40B4-BE49-F238E27FC236}">
+                <a16:creationId xmlns:a16="http://schemas.microsoft.com/office/drawing/2014/main" id="{43E87383-4FA9-4C43-8EA4-E0604ADCC7E1}"/>
+              </a:ext>
+            </a:extLst>
+          </p:cNvPr>
+          <p:cNvPicPr>
+            <a:picLocks noChangeAspect="1"/>
+          </p:cNvPicPr>
+          <p:nvPr/>
+        </p:nvPicPr>
+        <p:blipFill>
+          <a:blip r:embed="rId2">
+            <a:lum bright="70000" contrast="-70000"/>
+            <a:extLst>
+              <a:ext uri="{28A0092B-C50C-407E-A947-70E740481C1C}">
+                <a14:useLocalDpi xmlns:a14="http://schemas.microsoft.com/office/drawing/2010/main" val="0"/>
+              </a:ext>
+            </a:extLst>
+          </a:blip>
+          <a:stretch>
+            <a:fillRect/>
+          </a:stretch>
+        </p:blipFill>
+        <p:spPr>
+          <a:xfrm rot="5400000">
+            <a:off x="6654329" y="1381433"/>
+            <a:ext cx="553032" cy="678803"/>
+          </a:xfrm>
+          <a:prstGeom prst="rect">
+            <a:avLst/>
+          </a:prstGeom>
+        </p:spPr>
+      </p:pic>
+      <p:cxnSp>
+        <p:nvCxnSpPr>
+          <p:cNvPr id="14" name="直接箭头连接符 13">
+            <a:extLst>
+              <a:ext uri="{FF2B5EF4-FFF2-40B4-BE49-F238E27FC236}">
+                <a16:creationId xmlns:a16="http://schemas.microsoft.com/office/drawing/2014/main" id="{06692F22-14B0-4AEE-894F-67148DDA550E}"/>
+              </a:ext>
+            </a:extLst>
+          </p:cNvPr>
+          <p:cNvCxnSpPr/>
+          <p:nvPr/>
+        </p:nvCxnSpPr>
+        <p:spPr>
+          <a:xfrm>
+            <a:off x="4609846" y="2969376"/>
+            <a:ext cx="0" cy="980387"/>
+          </a:xfrm>
+          <a:prstGeom prst="straightConnector1">
+            <a:avLst/>
+          </a:prstGeom>
+          <a:ln>
+            <a:tailEnd type="triangle"/>
+          </a:ln>
+        </p:spPr>
+        <p:style>
+          <a:lnRef idx="1">
+            <a:schemeClr val="accent1"/>
+          </a:lnRef>
+          <a:fillRef idx="0">
+            <a:schemeClr val="accent1"/>
+          </a:fillRef>
+          <a:effectRef idx="0">
+            <a:schemeClr val="accent1"/>
+          </a:effectRef>
+          <a:fontRef idx="minor">
+            <a:schemeClr val="tx1"/>
+          </a:fontRef>
+        </p:style>
+      </p:cxnSp>
+      <p:cxnSp>
+        <p:nvCxnSpPr>
+          <p:cNvPr id="15" name="直接箭头连接符 14">
+            <a:extLst>
+              <a:ext uri="{FF2B5EF4-FFF2-40B4-BE49-F238E27FC236}">
+                <a16:creationId xmlns:a16="http://schemas.microsoft.com/office/drawing/2014/main" id="{BB7BD3D2-0857-470F-81C0-E98B3F72992E}"/>
+              </a:ext>
+            </a:extLst>
+          </p:cNvPr>
+          <p:cNvCxnSpPr/>
+          <p:nvPr/>
+        </p:nvCxnSpPr>
+        <p:spPr>
+          <a:xfrm>
+            <a:off x="4609846" y="2969376"/>
+            <a:ext cx="1070005" cy="0"/>
+          </a:xfrm>
+          <a:prstGeom prst="straightConnector1">
+            <a:avLst/>
+          </a:prstGeom>
+          <a:ln>
+            <a:tailEnd type="triangle"/>
+          </a:ln>
+        </p:spPr>
+        <p:style>
+          <a:lnRef idx="1">
+            <a:schemeClr val="accent1"/>
+          </a:lnRef>
+          <a:fillRef idx="0">
+            <a:schemeClr val="accent1"/>
+          </a:fillRef>
+          <a:effectRef idx="0">
+            <a:schemeClr val="accent1"/>
+          </a:effectRef>
+          <a:fontRef idx="minor">
+            <a:schemeClr val="tx1"/>
+          </a:fontRef>
+        </p:style>
+      </p:cxnSp>
+      <p:cxnSp>
+        <p:nvCxnSpPr>
+          <p:cNvPr id="16" name="直接箭头连接符 15">
+            <a:extLst>
+              <a:ext uri="{FF2B5EF4-FFF2-40B4-BE49-F238E27FC236}">
+                <a16:creationId xmlns:a16="http://schemas.microsoft.com/office/drawing/2014/main" id="{FC49365E-3220-477F-9DD2-0C24B7ACFA8D}"/>
+              </a:ext>
+            </a:extLst>
+          </p:cNvPr>
+          <p:cNvCxnSpPr/>
+          <p:nvPr/>
+        </p:nvCxnSpPr>
+        <p:spPr>
+          <a:xfrm flipV="1">
+            <a:off x="4609846" y="2308147"/>
+            <a:ext cx="722533" cy="661229"/>
+          </a:xfrm>
+          <a:prstGeom prst="straightConnector1">
+            <a:avLst/>
+          </a:prstGeom>
+          <a:ln>
+            <a:tailEnd type="triangle"/>
+          </a:ln>
+        </p:spPr>
+        <p:style>
+          <a:lnRef idx="1">
+            <a:schemeClr val="accent1"/>
+          </a:lnRef>
+          <a:fillRef idx="0">
+            <a:schemeClr val="accent1"/>
+          </a:fillRef>
+          <a:effectRef idx="0">
+            <a:schemeClr val="accent1"/>
+          </a:effectRef>
+          <a:fontRef idx="minor">
+            <a:schemeClr val="tx1"/>
+          </a:fontRef>
+        </p:style>
+      </p:cxnSp>
+      <p:cxnSp>
+        <p:nvCxnSpPr>
+          <p:cNvPr id="17" name="直接箭头连接符 16">
+            <a:extLst>
+              <a:ext uri="{FF2B5EF4-FFF2-40B4-BE49-F238E27FC236}">
+                <a16:creationId xmlns:a16="http://schemas.microsoft.com/office/drawing/2014/main" id="{FA96899E-5F79-4306-80A1-38CC1A8DA900}"/>
+              </a:ext>
+            </a:extLst>
+          </p:cNvPr>
+          <p:cNvCxnSpPr/>
+          <p:nvPr/>
+        </p:nvCxnSpPr>
+        <p:spPr>
+          <a:xfrm>
+            <a:off x="8024378" y="1939229"/>
+            <a:ext cx="0" cy="980387"/>
+          </a:xfrm>
+          <a:prstGeom prst="straightConnector1">
+            <a:avLst/>
+          </a:prstGeom>
+          <a:ln>
+            <a:tailEnd type="triangle"/>
+          </a:ln>
+        </p:spPr>
+        <p:style>
+          <a:lnRef idx="1">
+            <a:schemeClr val="accent1"/>
+          </a:lnRef>
+          <a:fillRef idx="0">
+            <a:schemeClr val="accent1"/>
+          </a:fillRef>
+          <a:effectRef idx="0">
+            <a:schemeClr val="accent1"/>
+          </a:effectRef>
+          <a:fontRef idx="minor">
+            <a:schemeClr val="tx1"/>
+          </a:fontRef>
+        </p:style>
+      </p:cxnSp>
+      <p:cxnSp>
+        <p:nvCxnSpPr>
+          <p:cNvPr id="18" name="直接箭头连接符 17">
+            <a:extLst>
+              <a:ext uri="{FF2B5EF4-FFF2-40B4-BE49-F238E27FC236}">
+                <a16:creationId xmlns:a16="http://schemas.microsoft.com/office/drawing/2014/main" id="{1F58FF9B-7E86-4DA8-BD0E-F072E4C6B25D}"/>
+              </a:ext>
+            </a:extLst>
+          </p:cNvPr>
+          <p:cNvCxnSpPr/>
+          <p:nvPr/>
+        </p:nvCxnSpPr>
+        <p:spPr>
+          <a:xfrm>
+            <a:off x="8024378" y="1939229"/>
+            <a:ext cx="1070005" cy="0"/>
+          </a:xfrm>
+          <a:prstGeom prst="straightConnector1">
+            <a:avLst/>
+          </a:prstGeom>
+          <a:ln>
+            <a:tailEnd type="triangle"/>
+          </a:ln>
+        </p:spPr>
+        <p:style>
+          <a:lnRef idx="1">
+            <a:schemeClr val="accent1"/>
+          </a:lnRef>
+          <a:fillRef idx="0">
+            <a:schemeClr val="accent1"/>
+          </a:fillRef>
+          <a:effectRef idx="0">
+            <a:schemeClr val="accent1"/>
+          </a:effectRef>
+          <a:fontRef idx="minor">
+            <a:schemeClr val="tx1"/>
+          </a:fontRef>
+        </p:style>
+      </p:cxnSp>
+      <p:cxnSp>
+        <p:nvCxnSpPr>
+          <p:cNvPr id="19" name="直接箭头连接符 18">
+            <a:extLst>
+              <a:ext uri="{FF2B5EF4-FFF2-40B4-BE49-F238E27FC236}">
+                <a16:creationId xmlns:a16="http://schemas.microsoft.com/office/drawing/2014/main" id="{8DFC92EB-6A58-4F70-B8DA-58F1C50D93B1}"/>
+              </a:ext>
+            </a:extLst>
+          </p:cNvPr>
+          <p:cNvCxnSpPr/>
+          <p:nvPr/>
+        </p:nvCxnSpPr>
+        <p:spPr>
+          <a:xfrm flipV="1">
+            <a:off x="8024378" y="1278000"/>
+            <a:ext cx="722533" cy="661229"/>
+          </a:xfrm>
+          <a:prstGeom prst="straightConnector1">
+            <a:avLst/>
+          </a:prstGeom>
+          <a:ln>
+            <a:tailEnd type="triangle"/>
+          </a:ln>
+        </p:spPr>
+        <p:style>
+          <a:lnRef idx="1">
+            <a:schemeClr val="accent1"/>
+          </a:lnRef>
+          <a:fillRef idx="0">
+            <a:schemeClr val="accent1"/>
+          </a:fillRef>
+          <a:effectRef idx="0">
+            <a:schemeClr val="accent1"/>
+          </a:effectRef>
+          <a:fontRef idx="minor">
+            <a:schemeClr val="tx1"/>
+          </a:fontRef>
+        </p:style>
+      </p:cxnSp>
+      <p:pic>
+        <p:nvPicPr>
+          <p:cNvPr id="25" name="图片 24" descr="图片包含 游戏机&#10;&#10;描述已自动生成">
+            <a:extLst>
+              <a:ext uri="{FF2B5EF4-FFF2-40B4-BE49-F238E27FC236}">
+                <a16:creationId xmlns:a16="http://schemas.microsoft.com/office/drawing/2014/main" id="{33456C0F-85CC-4A55-96D4-567575AD3A2C}"/>
+              </a:ext>
+            </a:extLst>
+          </p:cNvPr>
+          <p:cNvPicPr>
+            <a:picLocks noChangeAspect="1"/>
+          </p:cNvPicPr>
+          <p:nvPr/>
+        </p:nvPicPr>
+        <p:blipFill>
+          <a:blip r:embed="rId2">
+            <a:extLst>
+              <a:ext uri="{28A0092B-C50C-407E-A947-70E740481C1C}">
+                <a14:useLocalDpi xmlns:a14="http://schemas.microsoft.com/office/drawing/2010/main" val="0"/>
+              </a:ext>
+            </a:extLst>
+          </a:blip>
+          <a:stretch>
+            <a:fillRect/>
+          </a:stretch>
+        </p:blipFill>
+        <p:spPr>
+          <a:xfrm rot="5400000">
+            <a:off x="7900789" y="1599827"/>
+            <a:ext cx="334638" cy="678803"/>
+          </a:xfrm>
+          <a:prstGeom prst="rect">
+            <a:avLst/>
+          </a:prstGeom>
+        </p:spPr>
+      </p:pic>
+    </p:spTree>
+    <p:extLst>
+      <p:ext uri="{BB962C8B-B14F-4D97-AF65-F5344CB8AC3E}">
+        <p14:creationId xmlns:p14="http://schemas.microsoft.com/office/powerpoint/2010/main" val="429273190"/>
+      </p:ext>
+    </p:extLst>
+  </p:cSld>
+  <p:clrMapOvr>
+    <a:masterClrMapping/>
+  </p:clrMapOvr>
+</p:sld>
+</file>
+
+<file path=ppt/slides/slide2.xml><?xml version="1.0" encoding="utf-8"?>
+<p:sld xmlns:a="http://schemas.openxmlformats.org/drawingml/2006/main" xmlns:r="http://schemas.openxmlformats.org/officeDocument/2006/relationships" xmlns:p="http://schemas.openxmlformats.org/presentationml/2006/main">
+  <p:cSld>
+    <p:spTree>
+      <p:nvGrpSpPr>
+        <p:cNvPr id="1" name=""/>
+        <p:cNvGrpSpPr/>
+        <p:nvPr/>
+      </p:nvGrpSpPr>
+      <p:grpSpPr>
+        <a:xfrm>
+          <a:off x="0" y="0"/>
+          <a:ext cx="0" cy="0"/>
+          <a:chOff x="0" y="0"/>
+          <a:chExt cx="0" cy="0"/>
+        </a:xfrm>
+      </p:grpSpPr>
       <p:pic>
         <p:nvPicPr>
           <p:cNvPr id="5" name="图片 4" descr="图片包含 游戏机&#10;&#10;描述已自动生成">
@@ -3919,7 +4410,7 @@
           <a:graphicData uri="http://schemas.openxmlformats.org/presentationml/2006/ole">
             <mc:AlternateContent xmlns:mc="http://schemas.openxmlformats.org/markup-compatibility/2006">
               <mc:Choice xmlns:v="urn:schemas-microsoft-com:vml" Requires="v">
-                <p:oleObj spid="_x0000_s2008" name="Equation" r:id="rId5" imgW="241200" imgH="203040" progId="Equation.DSMT4">
+                <p:oleObj spid="_x0000_s3527" name="Equation" r:id="rId5" imgW="241200" imgH="203040" progId="Equation.DSMT4">
                   <p:embed/>
                 </p:oleObj>
               </mc:Choice>
@@ -3982,7 +4473,7 @@
           <a:graphicData uri="http://schemas.openxmlformats.org/presentationml/2006/ole">
             <mc:AlternateContent xmlns:mc="http://schemas.openxmlformats.org/markup-compatibility/2006">
               <mc:Choice xmlns:v="urn:schemas-microsoft-com:vml" Requires="v">
-                <p:oleObj spid="_x0000_s2009" name="Equation" r:id="rId7" imgW="228600" imgH="190440" progId="Equation.DSMT4">
+                <p:oleObj spid="_x0000_s3528" name="Equation" r:id="rId7" imgW="228600" imgH="190440" progId="Equation.DSMT4">
                   <p:embed/>
                 </p:oleObj>
               </mc:Choice>
@@ -4170,7 +4661,7 @@
           <a:graphicData uri="http://schemas.openxmlformats.org/presentationml/2006/ole">
             <mc:AlternateContent xmlns:mc="http://schemas.openxmlformats.org/markup-compatibility/2006">
               <mc:Choice xmlns:v="urn:schemas-microsoft-com:vml" Requires="v">
-                <p:oleObj spid="_x0000_s2010" name="Equation" r:id="rId9" imgW="444240" imgH="177480" progId="Equation.DSMT4">
+                <p:oleObj spid="_x0000_s3529" name="Equation" r:id="rId9" imgW="444240" imgH="177480" progId="Equation.DSMT4">
                   <p:embed/>
                 </p:oleObj>
               </mc:Choice>
@@ -4233,7 +4724,7 @@
           <a:graphicData uri="http://schemas.openxmlformats.org/presentationml/2006/ole">
             <mc:AlternateContent xmlns:mc="http://schemas.openxmlformats.org/markup-compatibility/2006">
               <mc:Choice xmlns:v="urn:schemas-microsoft-com:vml" Requires="v">
-                <p:oleObj spid="_x0000_s2011" name="Equation" r:id="rId11" imgW="596880" imgH="203040" progId="Equation.DSMT4">
+                <p:oleObj spid="_x0000_s3530" name="Equation" r:id="rId11" imgW="596880" imgH="203040" progId="Equation.DSMT4">
                   <p:embed/>
                 </p:oleObj>
               </mc:Choice>
@@ -4554,7 +5045,7 @@
           <a:graphicData uri="http://schemas.openxmlformats.org/presentationml/2006/ole">
             <mc:AlternateContent xmlns:mc="http://schemas.openxmlformats.org/markup-compatibility/2006">
               <mc:Choice xmlns:v="urn:schemas-microsoft-com:vml" Requires="v">
-                <p:oleObj spid="_x0000_s2012" name="Equation" r:id="rId13" imgW="1155600" imgH="203040" progId="Equation.DSMT4">
+                <p:oleObj spid="_x0000_s3531" name="Equation" r:id="rId13" imgW="1155600" imgH="203040" progId="Equation.DSMT4">
                   <p:embed/>
                 </p:oleObj>
               </mc:Choice>
@@ -4617,7 +5108,7 @@
           <a:graphicData uri="http://schemas.openxmlformats.org/presentationml/2006/ole">
             <mc:AlternateContent xmlns:mc="http://schemas.openxmlformats.org/markup-compatibility/2006">
               <mc:Choice xmlns:v="urn:schemas-microsoft-com:vml" Requires="v">
-                <p:oleObj spid="_x0000_s2013" name="Equation" r:id="rId15" imgW="203040" imgH="203040" progId="Equation.DSMT4">
+                <p:oleObj spid="_x0000_s3532" name="Equation" r:id="rId15" imgW="203040" imgH="203040" progId="Equation.DSMT4">
                   <p:embed/>
                 </p:oleObj>
               </mc:Choice>
@@ -4680,7 +5171,7 @@
           <a:graphicData uri="http://schemas.openxmlformats.org/presentationml/2006/ole">
             <mc:AlternateContent xmlns:mc="http://schemas.openxmlformats.org/markup-compatibility/2006">
               <mc:Choice xmlns:v="urn:schemas-microsoft-com:vml" Requires="v">
-                <p:oleObj spid="_x0000_s2014" name="Equation" r:id="rId17" imgW="190440" imgH="190440" progId="Equation.DSMT4">
+                <p:oleObj spid="_x0000_s3533" name="Equation" r:id="rId17" imgW="190440" imgH="190440" progId="Equation.DSMT4">
                   <p:embed/>
                 </p:oleObj>
               </mc:Choice>
@@ -4730,25 +5221,25 @@
           <p:nvPr>
             <p:extLst>
               <p:ext uri="{D42A27DB-BD31-4B8C-83A1-F6EECF244321}">
-                <p14:modId xmlns:p14="http://schemas.microsoft.com/office/powerpoint/2010/main" val="850407688"/>
+                <p14:modId xmlns:p14="http://schemas.microsoft.com/office/powerpoint/2010/main" val="2904039812"/>
               </p:ext>
             </p:extLst>
           </p:nvPr>
         </p:nvGraphicFramePr>
         <p:xfrm>
-          <a:off x="4611350" y="2956924"/>
-          <a:ext cx="211815" cy="268300"/>
+          <a:off x="4516371" y="2879092"/>
+          <a:ext cx="323850" cy="268287"/>
         </p:xfrm>
         <a:graphic>
           <a:graphicData uri="http://schemas.openxmlformats.org/presentationml/2006/ole">
             <mc:AlternateContent xmlns:mc="http://schemas.openxmlformats.org/markup-compatibility/2006">
               <mc:Choice xmlns:v="urn:schemas-microsoft-com:vml" Requires="v">
-                <p:oleObj spid="_x0000_s2015" name="Equation" r:id="rId19" imgW="190440" imgH="241200" progId="Equation.DSMT4">
+                <p:oleObj spid="_x0000_s3534" name="Equation" r:id="rId19" imgW="291960" imgH="241200" progId="Equation.DSMT4">
                   <p:embed/>
                 </p:oleObj>
               </mc:Choice>
               <mc:Fallback>
-                <p:oleObj name="Equation" r:id="rId19" imgW="190440" imgH="241200" progId="Equation.DSMT4">
+                <p:oleObj name="Equation" r:id="rId19" imgW="291960" imgH="241200" progId="Equation.DSMT4">
                   <p:embed/>
                   <p:pic>
                     <p:nvPicPr>
@@ -4764,8 +5255,8 @@
                     </p:blipFill>
                     <p:spPr>
                       <a:xfrm>
-                        <a:off x="4611350" y="2956924"/>
-                        <a:ext cx="211815" cy="268300"/>
+                        <a:off x="4516371" y="2879092"/>
+                        <a:ext cx="323850" cy="268287"/>
                       </a:xfrm>
                       <a:prstGeom prst="rect">
                         <a:avLst/>
@@ -4793,25 +5284,25 @@
           <p:nvPr>
             <p:extLst>
               <p:ext uri="{D42A27DB-BD31-4B8C-83A1-F6EECF244321}">
-                <p14:modId xmlns:p14="http://schemas.microsoft.com/office/powerpoint/2010/main" val="2897653169"/>
+                <p14:modId xmlns:p14="http://schemas.microsoft.com/office/powerpoint/2010/main" val="2143695738"/>
               </p:ext>
             </p:extLst>
           </p:nvPr>
         </p:nvGraphicFramePr>
         <p:xfrm>
-          <a:off x="5252927" y="5435445"/>
-          <a:ext cx="203200" cy="241300"/>
+          <a:off x="5208588" y="5435600"/>
+          <a:ext cx="292100" cy="241300"/>
         </p:xfrm>
         <a:graphic>
           <a:graphicData uri="http://schemas.openxmlformats.org/presentationml/2006/ole">
             <mc:AlternateContent xmlns:mc="http://schemas.openxmlformats.org/markup-compatibility/2006">
               <mc:Choice xmlns:v="urn:schemas-microsoft-com:vml" Requires="v">
-                <p:oleObj spid="_x0000_s2016" name="Equation" r:id="rId21" imgW="203040" imgH="241200" progId="Equation.DSMT4">
+                <p:oleObj spid="_x0000_s3535" name="Equation" r:id="rId21" imgW="291960" imgH="241200" progId="Equation.DSMT4">
                   <p:embed/>
                 </p:oleObj>
               </mc:Choice>
               <mc:Fallback>
-                <p:oleObj name="Equation" r:id="rId21" imgW="203040" imgH="241200" progId="Equation.DSMT4">
+                <p:oleObj name="Equation" r:id="rId21" imgW="291960" imgH="241200" progId="Equation.DSMT4">
                   <p:embed/>
                   <p:pic>
                     <p:nvPicPr>
@@ -4827,8 +5318,8 @@
                     </p:blipFill>
                     <p:spPr>
                       <a:xfrm>
-                        <a:off x="5252927" y="5435445"/>
-                        <a:ext cx="203200" cy="241300"/>
+                        <a:off x="5208588" y="5435600"/>
+                        <a:ext cx="292100" cy="241300"/>
                       </a:xfrm>
                       <a:prstGeom prst="rect">
                         <a:avLst/>
@@ -4856,25 +5347,25 @@
           <p:nvPr>
             <p:extLst>
               <p:ext uri="{D42A27DB-BD31-4B8C-83A1-F6EECF244321}">
-                <p14:modId xmlns:p14="http://schemas.microsoft.com/office/powerpoint/2010/main" val="3825792346"/>
+                <p14:modId xmlns:p14="http://schemas.microsoft.com/office/powerpoint/2010/main" val="1136020949"/>
               </p:ext>
             </p:extLst>
           </p:nvPr>
         </p:nvGraphicFramePr>
         <p:xfrm>
-          <a:off x="9326356" y="1284859"/>
-          <a:ext cx="165100" cy="241300"/>
+          <a:off x="9321818" y="1325511"/>
+          <a:ext cx="266700" cy="241300"/>
         </p:xfrm>
         <a:graphic>
           <a:graphicData uri="http://schemas.openxmlformats.org/presentationml/2006/ole">
             <mc:AlternateContent xmlns:mc="http://schemas.openxmlformats.org/markup-compatibility/2006">
               <mc:Choice xmlns:v="urn:schemas-microsoft-com:vml" Requires="v">
-                <p:oleObj spid="_x0000_s2017" name="Equation" r:id="rId23" imgW="164880" imgH="241200" progId="Equation.DSMT4">
+                <p:oleObj spid="_x0000_s3536" name="Equation" r:id="rId23" imgW="266400" imgH="241200" progId="Equation.DSMT4">
                   <p:embed/>
                 </p:oleObj>
               </mc:Choice>
               <mc:Fallback>
-                <p:oleObj name="Equation" r:id="rId23" imgW="164880" imgH="241200" progId="Equation.DSMT4">
+                <p:oleObj name="Equation" r:id="rId23" imgW="266400" imgH="241200" progId="Equation.DSMT4">
                   <p:embed/>
                   <p:pic>
                     <p:nvPicPr>
@@ -4890,8 +5381,8 @@
                     </p:blipFill>
                     <p:spPr>
                       <a:xfrm>
-                        <a:off x="9326356" y="1284859"/>
-                        <a:ext cx="165100" cy="241300"/>
+                        <a:off x="9321818" y="1325511"/>
+                        <a:ext cx="266700" cy="241300"/>
                       </a:xfrm>
                       <a:prstGeom prst="rect">
                         <a:avLst/>
@@ -4919,25 +5410,25 @@
           <p:nvPr>
             <p:extLst>
               <p:ext uri="{D42A27DB-BD31-4B8C-83A1-F6EECF244321}">
-                <p14:modId xmlns:p14="http://schemas.microsoft.com/office/powerpoint/2010/main" val="3816536582"/>
+                <p14:modId xmlns:p14="http://schemas.microsoft.com/office/powerpoint/2010/main" val="2899382206"/>
               </p:ext>
             </p:extLst>
           </p:nvPr>
         </p:nvGraphicFramePr>
         <p:xfrm>
-          <a:off x="8831347" y="2838823"/>
-          <a:ext cx="177800" cy="241300"/>
+          <a:off x="8786813" y="2838450"/>
+          <a:ext cx="266700" cy="241300"/>
         </p:xfrm>
         <a:graphic>
           <a:graphicData uri="http://schemas.openxmlformats.org/presentationml/2006/ole">
             <mc:AlternateContent xmlns:mc="http://schemas.openxmlformats.org/markup-compatibility/2006">
               <mc:Choice xmlns:v="urn:schemas-microsoft-com:vml" Requires="v">
-                <p:oleObj spid="_x0000_s2018" name="Equation" r:id="rId25" imgW="177480" imgH="241200" progId="Equation.DSMT4">
+                <p:oleObj spid="_x0000_s3537" name="Equation" r:id="rId25" imgW="266400" imgH="241200" progId="Equation.DSMT4">
                   <p:embed/>
                 </p:oleObj>
               </mc:Choice>
               <mc:Fallback>
-                <p:oleObj name="Equation" r:id="rId25" imgW="177480" imgH="241200" progId="Equation.DSMT4">
+                <p:oleObj name="Equation" r:id="rId25" imgW="266400" imgH="241200" progId="Equation.DSMT4">
                   <p:embed/>
                   <p:pic>
                     <p:nvPicPr>
@@ -4953,8 +5444,8 @@
                     </p:blipFill>
                     <p:spPr>
                       <a:xfrm>
-                        <a:off x="8831347" y="2838823"/>
-                        <a:ext cx="177800" cy="241300"/>
+                        <a:off x="8786813" y="2838450"/>
+                        <a:ext cx="266700" cy="241300"/>
                       </a:xfrm>
                       <a:prstGeom prst="rect">
                         <a:avLst/>
@@ -4995,7 +5486,7 @@
           <a:graphicData uri="http://schemas.openxmlformats.org/presentationml/2006/ole">
             <mc:AlternateContent xmlns:mc="http://schemas.openxmlformats.org/markup-compatibility/2006">
               <mc:Choice xmlns:v="urn:schemas-microsoft-com:vml" Requires="v">
-                <p:oleObj spid="_x0000_s2019" name="Equation" r:id="rId27" imgW="215640" imgH="241200" progId="Equation.DSMT4">
+                <p:oleObj spid="_x0000_s3538" name="Equation" r:id="rId27" imgW="215640" imgH="241200" progId="Equation.DSMT4">
                   <p:embed/>
                 </p:oleObj>
               </mc:Choice>
@@ -5058,7 +5549,7 @@
           <a:graphicData uri="http://schemas.openxmlformats.org/presentationml/2006/ole">
             <mc:AlternateContent xmlns:mc="http://schemas.openxmlformats.org/markup-compatibility/2006">
               <mc:Choice xmlns:v="urn:schemas-microsoft-com:vml" Requires="v">
-                <p:oleObj spid="_x0000_s2020" name="Equation" r:id="rId29" imgW="215640" imgH="241200" progId="Equation.DSMT4">
+                <p:oleObj spid="_x0000_s3539" name="Equation" r:id="rId29" imgW="215640" imgH="241200" progId="Equation.DSMT4">
                   <p:embed/>
                 </p:oleObj>
               </mc:Choice>
@@ -5208,7 +5699,7 @@
           <a:graphicData uri="http://schemas.openxmlformats.org/presentationml/2006/ole">
             <mc:AlternateContent xmlns:mc="http://schemas.openxmlformats.org/markup-compatibility/2006">
               <mc:Choice xmlns:v="urn:schemas-microsoft-com:vml" Requires="v">
-                <p:oleObj spid="_x0000_s2021" name="Equation" r:id="rId31" imgW="215640" imgH="253800" progId="Equation.DSMT4">
+                <p:oleObj spid="_x0000_s3540" name="Equation" r:id="rId31" imgW="215640" imgH="253800" progId="Equation.DSMT4">
                   <p:embed/>
                 </p:oleObj>
               </mc:Choice>
@@ -5303,25 +5794,25 @@
           <p:nvPr>
             <p:extLst>
               <p:ext uri="{D42A27DB-BD31-4B8C-83A1-F6EECF244321}">
-                <p14:modId xmlns:p14="http://schemas.microsoft.com/office/powerpoint/2010/main" val="901979420"/>
+                <p14:modId xmlns:p14="http://schemas.microsoft.com/office/powerpoint/2010/main" val="1512681553"/>
               </p:ext>
             </p:extLst>
           </p:nvPr>
         </p:nvGraphicFramePr>
         <p:xfrm>
-          <a:off x="4896404" y="3400318"/>
-          <a:ext cx="368300" cy="177800"/>
+          <a:off x="4927600" y="3368675"/>
+          <a:ext cx="304800" cy="241300"/>
         </p:xfrm>
         <a:graphic>
           <a:graphicData uri="http://schemas.openxmlformats.org/presentationml/2006/ole">
             <mc:AlternateContent xmlns:mc="http://schemas.openxmlformats.org/markup-compatibility/2006">
               <mc:Choice xmlns:v="urn:schemas-microsoft-com:vml" Requires="v">
-                <p:oleObj spid="_x0000_s2022" name="Equation" r:id="rId33" imgW="368280" imgH="177480" progId="Equation.DSMT4">
+                <p:oleObj spid="_x0000_s3541" name="Equation" r:id="rId33" imgW="304560" imgH="241200" progId="Equation.DSMT4">
                   <p:embed/>
                 </p:oleObj>
               </mc:Choice>
               <mc:Fallback>
-                <p:oleObj name="Equation" r:id="rId33" imgW="368280" imgH="177480" progId="Equation.DSMT4">
+                <p:oleObj name="Equation" r:id="rId33" imgW="304560" imgH="241200" progId="Equation.DSMT4">
                   <p:embed/>
                   <p:pic>
                     <p:nvPicPr>
@@ -5337,8 +5828,8 @@
                     </p:blipFill>
                     <p:spPr>
                       <a:xfrm>
-                        <a:off x="4896404" y="3400318"/>
-                        <a:ext cx="368300" cy="177800"/>
+                        <a:off x="4927600" y="3368675"/>
+                        <a:ext cx="304800" cy="241300"/>
                       </a:xfrm>
                       <a:prstGeom prst="rect">
                         <a:avLst/>
@@ -5629,20 +6120,20 @@
           <p:nvPr>
             <p:extLst>
               <p:ext uri="{D42A27DB-BD31-4B8C-83A1-F6EECF244321}">
-                <p14:modId xmlns:p14="http://schemas.microsoft.com/office/powerpoint/2010/main" val="2779419298"/>
+                <p14:modId xmlns:p14="http://schemas.microsoft.com/office/powerpoint/2010/main" val="239228276"/>
               </p:ext>
             </p:extLst>
           </p:nvPr>
         </p:nvGraphicFramePr>
         <p:xfrm>
-          <a:off x="4791075" y="3887788"/>
+          <a:off x="4861980" y="3902500"/>
           <a:ext cx="177800" cy="241300"/>
         </p:xfrm>
         <a:graphic>
           <a:graphicData uri="http://schemas.openxmlformats.org/presentationml/2006/ole">
             <mc:AlternateContent xmlns:mc="http://schemas.openxmlformats.org/markup-compatibility/2006">
               <mc:Choice xmlns:v="urn:schemas-microsoft-com:vml" Requires="v">
-                <p:oleObj spid="_x0000_s2023" name="Equation" r:id="rId35" imgW="177480" imgH="241200" progId="Equation.DSMT4">
+                <p:oleObj spid="_x0000_s3542" name="Equation" r:id="rId35" imgW="177480" imgH="241200" progId="Equation.DSMT4">
                   <p:embed/>
                 </p:oleObj>
               </mc:Choice>
@@ -5663,7 +6154,7 @@
                     </p:blipFill>
                     <p:spPr>
                       <a:xfrm>
-                        <a:off x="4791075" y="3887788"/>
+                        <a:off x="4861980" y="3902500"/>
                         <a:ext cx="177800" cy="241300"/>
                       </a:xfrm>
                       <a:prstGeom prst="rect">
@@ -5694,8 +6185,8 @@
         </p:nvCxnSpPr>
         <p:spPr>
           <a:xfrm flipH="1">
-            <a:off x="4713689" y="4007580"/>
-            <a:ext cx="62312" cy="51316"/>
+            <a:off x="4722190" y="4023150"/>
+            <a:ext cx="139790" cy="17822"/>
           </a:xfrm>
           <a:prstGeom prst="line">
             <a:avLst/>
@@ -6227,7 +6718,7 @@
           <a:graphicData uri="http://schemas.openxmlformats.org/presentationml/2006/ole">
             <mc:AlternateContent xmlns:mc="http://schemas.openxmlformats.org/markup-compatibility/2006">
               <mc:Choice xmlns:v="urn:schemas-microsoft-com:vml" Requires="v">
-                <p:oleObj spid="_x0000_s2024" name="Equation" r:id="rId37" imgW="1015920" imgH="190440" progId="Equation.DSMT4">
+                <p:oleObj spid="_x0000_s3543" name="Equation" r:id="rId37" imgW="1015920" imgH="190440" progId="Equation.DSMT4">
                   <p:embed/>
                 </p:oleObj>
               </mc:Choice>
@@ -6290,7 +6781,7 @@
           <a:graphicData uri="http://schemas.openxmlformats.org/presentationml/2006/ole">
             <mc:AlternateContent xmlns:mc="http://schemas.openxmlformats.org/markup-compatibility/2006">
               <mc:Choice xmlns:v="urn:schemas-microsoft-com:vml" Requires="v">
-                <p:oleObj spid="_x0000_s2025" name="Equation" r:id="rId39" imgW="533160" imgH="253800" progId="Equation.DSMT4">
+                <p:oleObj spid="_x0000_s3544" name="Equation" r:id="rId39" imgW="533160" imgH="253800" progId="Equation.DSMT4">
                   <p:embed/>
                 </p:oleObj>
               </mc:Choice>
@@ -6353,7 +6844,7 @@
           <a:graphicData uri="http://schemas.openxmlformats.org/presentationml/2006/ole">
             <mc:AlternateContent xmlns:mc="http://schemas.openxmlformats.org/markup-compatibility/2006">
               <mc:Choice xmlns:v="urn:schemas-microsoft-com:vml" Requires="v">
-                <p:oleObj spid="_x0000_s2026" name="Equation" r:id="rId41" imgW="660240" imgH="253800" progId="Equation.DSMT4">
+                <p:oleObj spid="_x0000_s3545" name="Equation" r:id="rId41" imgW="660240" imgH="253800" progId="Equation.DSMT4">
                   <p:embed/>
                 </p:oleObj>
               </mc:Choice>
@@ -6416,7 +6907,7 @@
           <a:graphicData uri="http://schemas.openxmlformats.org/presentationml/2006/ole">
             <mc:AlternateContent xmlns:mc="http://schemas.openxmlformats.org/markup-compatibility/2006">
               <mc:Choice xmlns:v="urn:schemas-microsoft-com:vml" Requires="v">
-                <p:oleObj spid="_x0000_s2027" name="Equation" r:id="rId43" imgW="507960" imgH="253800" progId="Equation.DSMT4">
+                <p:oleObj spid="_x0000_s3546" name="Equation" r:id="rId43" imgW="507960" imgH="253800" progId="Equation.DSMT4">
                   <p:embed/>
                 </p:oleObj>
               </mc:Choice>
@@ -6523,20 +7014,20 @@
           <p:nvPr>
             <p:extLst>
               <p:ext uri="{D42A27DB-BD31-4B8C-83A1-F6EECF244321}">
-                <p14:modId xmlns:p14="http://schemas.microsoft.com/office/powerpoint/2010/main" val="1695734174"/>
+                <p14:modId xmlns:p14="http://schemas.microsoft.com/office/powerpoint/2010/main" val="665810780"/>
               </p:ext>
             </p:extLst>
           </p:nvPr>
         </p:nvGraphicFramePr>
         <p:xfrm>
-          <a:off x="3980324" y="4064714"/>
+          <a:off x="3573515" y="4011967"/>
           <a:ext cx="241300" cy="190500"/>
         </p:xfrm>
         <a:graphic>
           <a:graphicData uri="http://schemas.openxmlformats.org/presentationml/2006/ole">
             <mc:AlternateContent xmlns:mc="http://schemas.openxmlformats.org/markup-compatibility/2006">
               <mc:Choice xmlns:v="urn:schemas-microsoft-com:vml" Requires="v">
-                <p:oleObj spid="_x0000_s2028" name="Equation" r:id="rId45" imgW="241200" imgH="190440" progId="Equation.DSMT4">
+                <p:oleObj spid="_x0000_s3547" name="Equation" r:id="rId45" imgW="241200" imgH="190440" progId="Equation.DSMT4">
                   <p:embed/>
                 </p:oleObj>
               </mc:Choice>
@@ -6557,7 +7048,7 @@
                     </p:blipFill>
                     <p:spPr>
                       <a:xfrm>
-                        <a:off x="3980324" y="4064714"/>
+                        <a:off x="3573515" y="4011967"/>
                         <a:ext cx="241300" cy="190500"/>
                       </a:xfrm>
                       <a:prstGeom prst="rect">
@@ -6643,7 +7134,7 @@
           <a:graphicData uri="http://schemas.openxmlformats.org/presentationml/2006/ole">
             <mc:AlternateContent xmlns:mc="http://schemas.openxmlformats.org/markup-compatibility/2006">
               <mc:Choice xmlns:v="urn:schemas-microsoft-com:vml" Requires="v">
-                <p:oleObj spid="_x0000_s2029" name="Equation" r:id="rId47" imgW="253800" imgH="241200" progId="Equation.DSMT4">
+                <p:oleObj spid="_x0000_s3548" name="Equation" r:id="rId47" imgW="253800" imgH="241200" progId="Equation.DSMT4">
                   <p:embed/>
                 </p:oleObj>
               </mc:Choice>
@@ -6763,7 +7254,7 @@
           <a:graphicData uri="http://schemas.openxmlformats.org/presentationml/2006/ole">
             <mc:AlternateContent xmlns:mc="http://schemas.openxmlformats.org/markup-compatibility/2006">
               <mc:Choice xmlns:v="urn:schemas-microsoft-com:vml" Requires="v">
-                <p:oleObj spid="_x0000_s2030" name="Equation" r:id="rId49" imgW="215640" imgH="190440" progId="Equation.DSMT4">
+                <p:oleObj spid="_x0000_s3549" name="Equation" r:id="rId49" imgW="215640" imgH="190440" progId="Equation.DSMT4">
                   <p:embed/>
                 </p:oleObj>
               </mc:Choice>
@@ -6915,8 +7406,8 @@
         </p:nvCxnSpPr>
         <p:spPr>
           <a:xfrm flipH="1">
-            <a:off x="4211477" y="4440170"/>
-            <a:ext cx="380356" cy="2874"/>
+            <a:off x="4211477" y="4262765"/>
+            <a:ext cx="588928" cy="180279"/>
           </a:xfrm>
           <a:prstGeom prst="line">
             <a:avLst/>
@@ -6957,20 +7448,20 @@
           <p:nvPr>
             <p:extLst>
               <p:ext uri="{D42A27DB-BD31-4B8C-83A1-F6EECF244321}">
-                <p14:modId xmlns:p14="http://schemas.microsoft.com/office/powerpoint/2010/main" val="3571790597"/>
+                <p14:modId xmlns:p14="http://schemas.microsoft.com/office/powerpoint/2010/main" val="3506621011"/>
               </p:ext>
             </p:extLst>
           </p:nvPr>
         </p:nvGraphicFramePr>
         <p:xfrm>
-          <a:off x="4593463" y="4339028"/>
+          <a:off x="4824411" y="4195589"/>
           <a:ext cx="443873" cy="151320"/>
         </p:xfrm>
         <a:graphic>
           <a:graphicData uri="http://schemas.openxmlformats.org/presentationml/2006/ole">
             <mc:AlternateContent xmlns:mc="http://schemas.openxmlformats.org/markup-compatibility/2006">
               <mc:Choice xmlns:v="urn:schemas-microsoft-com:vml" Requires="v">
-                <p:oleObj spid="_x0000_s2031" name="Equation" r:id="rId51" imgW="558720" imgH="190440" progId="Equation.DSMT4">
+                <p:oleObj spid="_x0000_s3550" name="Equation" r:id="rId51" imgW="558720" imgH="190440" progId="Equation.DSMT4">
                   <p:embed/>
                 </p:oleObj>
               </mc:Choice>
@@ -6991,7 +7482,7 @@
                     </p:blipFill>
                     <p:spPr>
                       <a:xfrm>
-                        <a:off x="4593463" y="4339028"/>
+                        <a:off x="4824411" y="4195589"/>
                         <a:ext cx="443873" cy="151320"/>
                       </a:xfrm>
                       <a:prstGeom prst="rect">
@@ -7108,25 +7599,25 @@
           <p:nvPr>
             <p:extLst>
               <p:ext uri="{D42A27DB-BD31-4B8C-83A1-F6EECF244321}">
-                <p14:modId xmlns:p14="http://schemas.microsoft.com/office/powerpoint/2010/main" val="1402063159"/>
+                <p14:modId xmlns:p14="http://schemas.microsoft.com/office/powerpoint/2010/main" val="252078551"/>
               </p:ext>
             </p:extLst>
           </p:nvPr>
         </p:nvGraphicFramePr>
         <p:xfrm>
-          <a:off x="7853900" y="5157919"/>
-          <a:ext cx="177800" cy="241300"/>
+          <a:off x="7840663" y="5157788"/>
+          <a:ext cx="203200" cy="241300"/>
         </p:xfrm>
         <a:graphic>
           <a:graphicData uri="http://schemas.openxmlformats.org/presentationml/2006/ole">
             <mc:AlternateContent xmlns:mc="http://schemas.openxmlformats.org/markup-compatibility/2006">
               <mc:Choice xmlns:v="urn:schemas-microsoft-com:vml" Requires="v">
-                <p:oleObj spid="_x0000_s2032" name="Equation" r:id="rId53" imgW="177480" imgH="241200" progId="Equation.DSMT4">
+                <p:oleObj spid="_x0000_s3551" name="Equation" r:id="rId53" imgW="203040" imgH="241200" progId="Equation.DSMT4">
                   <p:embed/>
                 </p:oleObj>
               </mc:Choice>
               <mc:Fallback>
-                <p:oleObj name="Equation" r:id="rId53" imgW="177480" imgH="241200" progId="Equation.DSMT4">
+                <p:oleObj name="Equation" r:id="rId53" imgW="203040" imgH="241200" progId="Equation.DSMT4">
                   <p:embed/>
                   <p:pic>
                     <p:nvPicPr>
@@ -7142,8 +7633,8 @@
                     </p:blipFill>
                     <p:spPr>
                       <a:xfrm>
-                        <a:off x="7853900" y="5157919"/>
-                        <a:ext cx="177800" cy="241300"/>
+                        <a:off x="7840663" y="5157788"/>
+                        <a:ext cx="203200" cy="241300"/>
                       </a:xfrm>
                       <a:prstGeom prst="rect">
                         <a:avLst/>
@@ -7171,25 +7662,25 @@
           <p:nvPr>
             <p:extLst>
               <p:ext uri="{D42A27DB-BD31-4B8C-83A1-F6EECF244321}">
-                <p14:modId xmlns:p14="http://schemas.microsoft.com/office/powerpoint/2010/main" val="831232865"/>
+                <p14:modId xmlns:p14="http://schemas.microsoft.com/office/powerpoint/2010/main" val="4192805722"/>
               </p:ext>
             </p:extLst>
           </p:nvPr>
         </p:nvGraphicFramePr>
         <p:xfrm>
-          <a:off x="7754938" y="4365625"/>
-          <a:ext cx="177800" cy="241300"/>
+          <a:off x="7660634" y="4414688"/>
+          <a:ext cx="279400" cy="241300"/>
         </p:xfrm>
         <a:graphic>
           <a:graphicData uri="http://schemas.openxmlformats.org/presentationml/2006/ole">
             <mc:AlternateContent xmlns:mc="http://schemas.openxmlformats.org/markup-compatibility/2006">
               <mc:Choice xmlns:v="urn:schemas-microsoft-com:vml" Requires="v">
-                <p:oleObj spid="_x0000_s2033" name="Equation" r:id="rId55" imgW="177480" imgH="241200" progId="Equation.DSMT4">
+                <p:oleObj spid="_x0000_s3552" name="Equation" r:id="rId55" imgW="279360" imgH="241200" progId="Equation.DSMT4">
                   <p:embed/>
                 </p:oleObj>
               </mc:Choice>
               <mc:Fallback>
-                <p:oleObj name="Equation" r:id="rId55" imgW="177480" imgH="241200" progId="Equation.DSMT4">
+                <p:oleObj name="Equation" r:id="rId55" imgW="279360" imgH="241200" progId="Equation.DSMT4">
                   <p:embed/>
                   <p:pic>
                     <p:nvPicPr>
@@ -7205,8 +7696,8 @@
                     </p:blipFill>
                     <p:spPr>
                       <a:xfrm>
-                        <a:off x="7754938" y="4365625"/>
-                        <a:ext cx="177800" cy="241300"/>
+                        <a:off x="7660634" y="4414688"/>
+                        <a:ext cx="279400" cy="241300"/>
                       </a:xfrm>
                       <a:prstGeom prst="rect">
                         <a:avLst/>
@@ -7234,25 +7725,25 @@
           <p:nvPr>
             <p:extLst>
               <p:ext uri="{D42A27DB-BD31-4B8C-83A1-F6EECF244321}">
-                <p14:modId xmlns:p14="http://schemas.microsoft.com/office/powerpoint/2010/main" val="268661049"/>
+                <p14:modId xmlns:p14="http://schemas.microsoft.com/office/powerpoint/2010/main" val="2374545301"/>
               </p:ext>
             </p:extLst>
           </p:nvPr>
         </p:nvGraphicFramePr>
         <p:xfrm>
-          <a:off x="8567738" y="5203825"/>
-          <a:ext cx="190500" cy="241300"/>
+          <a:off x="8523288" y="5203825"/>
+          <a:ext cx="279400" cy="241300"/>
         </p:xfrm>
         <a:graphic>
           <a:graphicData uri="http://schemas.openxmlformats.org/presentationml/2006/ole">
             <mc:AlternateContent xmlns:mc="http://schemas.openxmlformats.org/markup-compatibility/2006">
               <mc:Choice xmlns:v="urn:schemas-microsoft-com:vml" Requires="v">
-                <p:oleObj spid="_x0000_s2034" name="Equation" r:id="rId57" imgW="190440" imgH="241200" progId="Equation.DSMT4">
+                <p:oleObj spid="_x0000_s3553" name="Equation" r:id="rId57" imgW="279360" imgH="241200" progId="Equation.DSMT4">
                   <p:embed/>
                 </p:oleObj>
               </mc:Choice>
               <mc:Fallback>
-                <p:oleObj name="Equation" r:id="rId57" imgW="190440" imgH="241200" progId="Equation.DSMT4">
+                <p:oleObj name="Equation" r:id="rId57" imgW="279360" imgH="241200" progId="Equation.DSMT4">
                   <p:embed/>
                   <p:pic>
                     <p:nvPicPr>
@@ -7268,8 +7759,215 @@
                     </p:blipFill>
                     <p:spPr>
                       <a:xfrm>
-                        <a:off x="8567738" y="5203825"/>
-                        <a:ext cx="190500" cy="241300"/>
+                        <a:off x="8523288" y="5203825"/>
+                        <a:ext cx="279400" cy="241300"/>
+                      </a:xfrm>
+                      <a:prstGeom prst="rect">
+                        <a:avLst/>
+                      </a:prstGeom>
+                    </p:spPr>
+                  </p:pic>
+                </p:oleObj>
+              </mc:Fallback>
+            </mc:AlternateContent>
+          </a:graphicData>
+        </a:graphic>
+      </p:graphicFrame>
+      <p:sp>
+        <p:nvSpPr>
+          <p:cNvPr id="70" name="箭头: 环形 69">
+            <a:extLst>
+              <a:ext uri="{FF2B5EF4-FFF2-40B4-BE49-F238E27FC236}">
+                <a16:creationId xmlns:a16="http://schemas.microsoft.com/office/drawing/2014/main" id="{C586CF70-8FC1-437A-8C2F-3BA520D09A99}"/>
+              </a:ext>
+            </a:extLst>
+          </p:cNvPr>
+          <p:cNvSpPr/>
+          <p:nvPr/>
+        </p:nvSpPr>
+        <p:spPr>
+          <a:xfrm rot="969629">
+            <a:off x="3982426" y="4070850"/>
+            <a:ext cx="366121" cy="156937"/>
+          </a:xfrm>
+          <a:prstGeom prst="circularArrow">
+            <a:avLst>
+              <a:gd name="adj1" fmla="val 12500"/>
+              <a:gd name="adj2" fmla="val 1670121"/>
+              <a:gd name="adj3" fmla="val 20457681"/>
+              <a:gd name="adj4" fmla="val 10860040"/>
+              <a:gd name="adj5" fmla="val 12500"/>
+            </a:avLst>
+          </a:prstGeom>
+          <a:ln w="3175"/>
+        </p:spPr>
+        <p:style>
+          <a:lnRef idx="2">
+            <a:schemeClr val="accent1">
+              <a:shade val="50000"/>
+            </a:schemeClr>
+          </a:lnRef>
+          <a:fillRef idx="1">
+            <a:schemeClr val="accent1"/>
+          </a:fillRef>
+          <a:effectRef idx="0">
+            <a:schemeClr val="accent1"/>
+          </a:effectRef>
+          <a:fontRef idx="minor">
+            <a:schemeClr val="lt1"/>
+          </a:fontRef>
+        </p:style>
+        <p:txBody>
+          <a:bodyPr rtlCol="0" anchor="ctr"/>
+          <a:lstStyle/>
+          <a:p>
+            <a:pPr algn="ctr"/>
+            <a:endParaRPr lang="zh-CN" altLang="en-US">
+              <a:solidFill>
+                <a:schemeClr val="tx1"/>
+              </a:solidFill>
+            </a:endParaRPr>
+          </a:p>
+        </p:txBody>
+      </p:sp>
+      <p:cxnSp>
+        <p:nvCxnSpPr>
+          <p:cNvPr id="73" name="直接连接符 72">
+            <a:extLst>
+              <a:ext uri="{FF2B5EF4-FFF2-40B4-BE49-F238E27FC236}">
+                <a16:creationId xmlns:a16="http://schemas.microsoft.com/office/drawing/2014/main" id="{13295220-2D55-4D8A-939C-4D3F5C26D013}"/>
+              </a:ext>
+            </a:extLst>
+          </p:cNvPr>
+          <p:cNvCxnSpPr>
+            <a:cxnSpLocks/>
+            <a:stCxn id="143" idx="0"/>
+          </p:cNvCxnSpPr>
+          <p:nvPr/>
+        </p:nvCxnSpPr>
+        <p:spPr>
+          <a:xfrm flipH="1" flipV="1">
+            <a:off x="3756091" y="4155882"/>
+            <a:ext cx="233693" cy="151905"/>
+          </a:xfrm>
+          <a:prstGeom prst="line">
+            <a:avLst/>
+          </a:prstGeom>
+          <a:ln>
+            <a:solidFill>
+              <a:schemeClr val="tx1"/>
+            </a:solidFill>
+          </a:ln>
+        </p:spPr>
+        <p:style>
+          <a:lnRef idx="1">
+            <a:schemeClr val="accent1"/>
+          </a:lnRef>
+          <a:fillRef idx="0">
+            <a:schemeClr val="accent1"/>
+          </a:fillRef>
+          <a:effectRef idx="0">
+            <a:schemeClr val="accent1"/>
+          </a:effectRef>
+          <a:fontRef idx="minor">
+            <a:schemeClr val="tx1"/>
+          </a:fontRef>
+        </p:style>
+      </p:cxnSp>
+      <p:cxnSp>
+        <p:nvCxnSpPr>
+          <p:cNvPr id="77" name="直接连接符 76">
+            <a:extLst>
+              <a:ext uri="{FF2B5EF4-FFF2-40B4-BE49-F238E27FC236}">
+                <a16:creationId xmlns:a16="http://schemas.microsoft.com/office/drawing/2014/main" id="{4E325EFF-FB40-4873-BE5C-5B0CC4122A28}"/>
+              </a:ext>
+            </a:extLst>
+          </p:cNvPr>
+          <p:cNvCxnSpPr>
+            <a:cxnSpLocks/>
+          </p:cNvCxnSpPr>
+          <p:nvPr/>
+        </p:nvCxnSpPr>
+        <p:spPr>
+          <a:xfrm flipH="1" flipV="1">
+            <a:off x="3787552" y="3896842"/>
+            <a:ext cx="233693" cy="151905"/>
+          </a:xfrm>
+          <a:prstGeom prst="line">
+            <a:avLst/>
+          </a:prstGeom>
+          <a:ln>
+            <a:solidFill>
+              <a:schemeClr val="tx1"/>
+            </a:solidFill>
+          </a:ln>
+        </p:spPr>
+        <p:style>
+          <a:lnRef idx="1">
+            <a:schemeClr val="accent1"/>
+          </a:lnRef>
+          <a:fillRef idx="0">
+            <a:schemeClr val="accent1"/>
+          </a:fillRef>
+          <a:effectRef idx="0">
+            <a:schemeClr val="accent1"/>
+          </a:effectRef>
+          <a:fontRef idx="minor">
+            <a:schemeClr val="tx1"/>
+          </a:fontRef>
+        </p:style>
+      </p:cxnSp>
+      <p:graphicFrame>
+        <p:nvGraphicFramePr>
+          <p:cNvPr id="8" name="对象 7">
+            <a:extLst>
+              <a:ext uri="{FF2B5EF4-FFF2-40B4-BE49-F238E27FC236}">
+                <a16:creationId xmlns:a16="http://schemas.microsoft.com/office/drawing/2014/main" id="{DA66592D-A57A-45B5-B04D-62AF981FC22D}"/>
+              </a:ext>
+            </a:extLst>
+          </p:cNvPr>
+          <p:cNvGraphicFramePr>
+            <a:graphicFrameLocks noChangeAspect="1"/>
+          </p:cNvGraphicFramePr>
+          <p:nvPr>
+            <p:extLst>
+              <p:ext uri="{D42A27DB-BD31-4B8C-83A1-F6EECF244321}">
+                <p14:modId xmlns:p14="http://schemas.microsoft.com/office/powerpoint/2010/main" val="1796737267"/>
+              </p:ext>
+            </p:extLst>
+          </p:nvPr>
+        </p:nvGraphicFramePr>
+        <p:xfrm>
+          <a:off x="3575886" y="3703026"/>
+          <a:ext cx="215900" cy="228600"/>
+        </p:xfrm>
+        <a:graphic>
+          <a:graphicData uri="http://schemas.openxmlformats.org/presentationml/2006/ole">
+            <mc:AlternateContent xmlns:mc="http://schemas.openxmlformats.org/markup-compatibility/2006">
+              <mc:Choice xmlns:v="urn:schemas-microsoft-com:vml" Requires="v">
+                <p:oleObj spid="_x0000_s3554" name="Equation" r:id="rId59" imgW="215640" imgH="228600" progId="Equation.DSMT4">
+                  <p:embed/>
+                </p:oleObj>
+              </mc:Choice>
+              <mc:Fallback>
+                <p:oleObj name="Equation" r:id="rId59" imgW="215640" imgH="228600" progId="Equation.DSMT4">
+                  <p:embed/>
+                  <p:pic>
+                    <p:nvPicPr>
+                      <p:cNvPr id="0" name=""/>
+                      <p:cNvPicPr/>
+                      <p:nvPr/>
+                    </p:nvPicPr>
+                    <p:blipFill>
+                      <a:blip r:embed="rId60"/>
+                      <a:stretch>
+                        <a:fillRect/>
+                      </a:stretch>
+                    </p:blipFill>
+                    <p:spPr>
+                      <a:xfrm>
+                        <a:off x="3575886" y="3703026"/>
+                        <a:ext cx="215900" cy="228600"/>
                       </a:xfrm>
                       <a:prstGeom prst="rect">
                         <a:avLst/>
@@ -7295,7 +7993,7 @@
 </p:sld>
 </file>
 
-<file path=ppt/slides/slide2.xml><?xml version="1.0" encoding="utf-8"?>
+<file path=ppt/slides/slide3.xml><?xml version="1.0" encoding="utf-8"?>
 <p:sld xmlns:a="http://schemas.openxmlformats.org/drawingml/2006/main" xmlns:r="http://schemas.openxmlformats.org/officeDocument/2006/relationships" xmlns:p="http://schemas.openxmlformats.org/presentationml/2006/main">
   <p:cSld>
     <p:spTree>
@@ -7493,7 +8191,7 @@
           <a:graphicData uri="http://schemas.openxmlformats.org/presentationml/2006/ole">
             <mc:AlternateContent xmlns:mc="http://schemas.openxmlformats.org/markup-compatibility/2006">
               <mc:Choice xmlns:v="urn:schemas-microsoft-com:vml" Requires="v">
-                <p:oleObj spid="_x0000_s2234" name="Equation" r:id="rId4" imgW="228600" imgH="190440" progId="Equation.DSMT4">
+                <p:oleObj spid="_x0000_s2584" name="Equation" r:id="rId4" imgW="228600" imgH="190440" progId="Equation.DSMT4">
                   <p:embed/>
                 </p:oleObj>
               </mc:Choice>
@@ -7637,20 +8335,20 @@
           <p:nvPr>
             <p:extLst>
               <p:ext uri="{D42A27DB-BD31-4B8C-83A1-F6EECF244321}">
-                <p14:modId xmlns:p14="http://schemas.microsoft.com/office/powerpoint/2010/main" val="1141777006"/>
+                <p14:modId xmlns:p14="http://schemas.microsoft.com/office/powerpoint/2010/main" val="697520703"/>
               </p:ext>
             </p:extLst>
           </p:nvPr>
         </p:nvGraphicFramePr>
         <p:xfrm>
-          <a:off x="6587615" y="3134361"/>
+          <a:off x="6575599" y="3149657"/>
           <a:ext cx="203200" cy="190500"/>
         </p:xfrm>
         <a:graphic>
           <a:graphicData uri="http://schemas.openxmlformats.org/presentationml/2006/ole">
             <mc:AlternateContent xmlns:mc="http://schemas.openxmlformats.org/markup-compatibility/2006">
               <mc:Choice xmlns:v="urn:schemas-microsoft-com:vml" Requires="v">
-                <p:oleObj spid="_x0000_s2235" name="Equation" r:id="rId6" imgW="203040" imgH="190440" progId="Equation.DSMT4">
+                <p:oleObj spid="_x0000_s2585" name="Equation" r:id="rId6" imgW="203040" imgH="190440" progId="Equation.DSMT4">
                   <p:embed/>
                 </p:oleObj>
               </mc:Choice>
@@ -7671,7 +8369,7 @@
                     </p:blipFill>
                     <p:spPr>
                       <a:xfrm>
-                        <a:off x="6587615" y="3134361"/>
+                        <a:off x="6575599" y="3149657"/>
                         <a:ext cx="203200" cy="190500"/>
                       </a:xfrm>
                       <a:prstGeom prst="rect">
@@ -7782,7 +8480,9 @@
               </a:ext>
             </a:extLst>
           </p:cNvPr>
-          <p:cNvCxnSpPr/>
+          <p:cNvCxnSpPr>
+            <a:cxnSpLocks/>
+          </p:cNvCxnSpPr>
           <p:nvPr/>
         </p:nvCxnSpPr>
         <p:spPr>
@@ -8013,7 +8713,7 @@
           <a:graphicData uri="http://schemas.openxmlformats.org/presentationml/2006/ole">
             <mc:AlternateContent xmlns:mc="http://schemas.openxmlformats.org/markup-compatibility/2006">
               <mc:Choice xmlns:v="urn:schemas-microsoft-com:vml" Requires="v">
-                <p:oleObj spid="_x0000_s2236" name="Equation" r:id="rId8" imgW="444240" imgH="177480" progId="Equation.DSMT4">
+                <p:oleObj spid="_x0000_s2586" name="Equation" r:id="rId8" imgW="444240" imgH="177480" progId="Equation.DSMT4">
                   <p:embed/>
                 </p:oleObj>
               </mc:Choice>
@@ -8076,7 +8776,7 @@
           <a:graphicData uri="http://schemas.openxmlformats.org/presentationml/2006/ole">
             <mc:AlternateContent xmlns:mc="http://schemas.openxmlformats.org/markup-compatibility/2006">
               <mc:Choice xmlns:v="urn:schemas-microsoft-com:vml" Requires="v">
-                <p:oleObj spid="_x0000_s2237" name="Equation" r:id="rId10" imgW="596880" imgH="203040" progId="Equation.DSMT4">
+                <p:oleObj spid="_x0000_s2587" name="Equation" r:id="rId10" imgW="596880" imgH="203040" progId="Equation.DSMT4">
                   <p:embed/>
                 </p:oleObj>
               </mc:Choice>
@@ -8139,7 +8839,7 @@
           <a:graphicData uri="http://schemas.openxmlformats.org/presentationml/2006/ole">
             <mc:AlternateContent xmlns:mc="http://schemas.openxmlformats.org/markup-compatibility/2006">
               <mc:Choice xmlns:v="urn:schemas-microsoft-com:vml" Requires="v">
-                <p:oleObj spid="_x0000_s2238" name="Equation" r:id="rId12" imgW="876123" imgH="144654" progId="Equation.DSMT4">
+                <p:oleObj spid="_x0000_s2588" name="Equation" r:id="rId12" imgW="876123" imgH="144654" progId="Equation.DSMT4">
                   <p:embed/>
                 </p:oleObj>
               </mc:Choice>
@@ -8202,7 +8902,7 @@
           <a:graphicData uri="http://schemas.openxmlformats.org/presentationml/2006/ole">
             <mc:AlternateContent xmlns:mc="http://schemas.openxmlformats.org/markup-compatibility/2006">
               <mc:Choice xmlns:v="urn:schemas-microsoft-com:vml" Requires="v">
-                <p:oleObj spid="_x0000_s2239" name="Equation" r:id="rId14" imgW="368280" imgH="253800" progId="Equation.DSMT4">
+                <p:oleObj spid="_x0000_s2589" name="Equation" r:id="rId14" imgW="368280" imgH="253800" progId="Equation.DSMT4">
                   <p:embed/>
                 </p:oleObj>
               </mc:Choice>
@@ -8271,7 +8971,7 @@
           <a:graphicData uri="http://schemas.openxmlformats.org/presentationml/2006/ole">
             <mc:AlternateContent xmlns:mc="http://schemas.openxmlformats.org/markup-compatibility/2006">
               <mc:Choice xmlns:v="urn:schemas-microsoft-com:vml" Requires="v">
-                <p:oleObj spid="_x0000_s2240" name="Equation" r:id="rId16" imgW="304560" imgH="253800" progId="Equation.DSMT4">
+                <p:oleObj spid="_x0000_s2590" name="Equation" r:id="rId16" imgW="304560" imgH="253800" progId="Equation.DSMT4">
                   <p:embed/>
                 </p:oleObj>
               </mc:Choice>
@@ -8334,7 +9034,7 @@
           <a:graphicData uri="http://schemas.openxmlformats.org/presentationml/2006/ole">
             <mc:AlternateContent xmlns:mc="http://schemas.openxmlformats.org/markup-compatibility/2006">
               <mc:Choice xmlns:v="urn:schemas-microsoft-com:vml" Requires="v">
-                <p:oleObj spid="_x0000_s2241" name="Equation" r:id="rId18" imgW="291960" imgH="253800" progId="Equation.DSMT4">
+                <p:oleObj spid="_x0000_s2591" name="Equation" r:id="rId18" imgW="291960" imgH="253800" progId="Equation.DSMT4">
                   <p:embed/>
                 </p:oleObj>
               </mc:Choice>
@@ -8397,7 +9097,7 @@
           <a:graphicData uri="http://schemas.openxmlformats.org/presentationml/2006/ole">
             <mc:AlternateContent xmlns:mc="http://schemas.openxmlformats.org/markup-compatibility/2006">
               <mc:Choice xmlns:v="urn:schemas-microsoft-com:vml" Requires="v">
-                <p:oleObj spid="_x0000_s2242" name="Equation" r:id="rId20" imgW="888840" imgH="203040" progId="Equation.DSMT4">
+                <p:oleObj spid="_x0000_s2592" name="Equation" r:id="rId20" imgW="888840" imgH="203040" progId="Equation.DSMT4">
                   <p:embed/>
                 </p:oleObj>
               </mc:Choice>
@@ -8454,7 +9154,7 @@
         </p:nvCxnSpPr>
         <p:spPr>
           <a:xfrm>
-            <a:off x="3119244" y="2628264"/>
+            <a:off x="6506615" y="3939057"/>
             <a:ext cx="0" cy="676968"/>
           </a:xfrm>
           <a:prstGeom prst="straightConnector1">
@@ -8497,25 +9197,25 @@
           <p:nvPr>
             <p:extLst>
               <p:ext uri="{D42A27DB-BD31-4B8C-83A1-F6EECF244321}">
-                <p14:modId xmlns:p14="http://schemas.microsoft.com/office/powerpoint/2010/main" val="648762183"/>
+                <p14:modId xmlns:p14="http://schemas.microsoft.com/office/powerpoint/2010/main" val="820784589"/>
               </p:ext>
             </p:extLst>
           </p:nvPr>
         </p:nvGraphicFramePr>
         <p:xfrm>
-          <a:off x="3221234" y="3094412"/>
-          <a:ext cx="177800" cy="241300"/>
+          <a:off x="6564313" y="4405313"/>
+          <a:ext cx="266700" cy="241300"/>
         </p:xfrm>
         <a:graphic>
           <a:graphicData uri="http://schemas.openxmlformats.org/presentationml/2006/ole">
             <mc:AlternateContent xmlns:mc="http://schemas.openxmlformats.org/markup-compatibility/2006">
               <mc:Choice xmlns:v="urn:schemas-microsoft-com:vml" Requires="v">
-                <p:oleObj spid="_x0000_s2243" name="Equation" r:id="rId22" imgW="177480" imgH="241200" progId="Equation.DSMT4">
+                <p:oleObj spid="_x0000_s2593" name="Equation" r:id="rId22" imgW="266400" imgH="241200" progId="Equation.DSMT4">
                   <p:embed/>
                 </p:oleObj>
               </mc:Choice>
               <mc:Fallback>
-                <p:oleObj name="Equation" r:id="rId22" imgW="177480" imgH="241200" progId="Equation.DSMT4">
+                <p:oleObj name="Equation" r:id="rId22" imgW="266400" imgH="241200" progId="Equation.DSMT4">
                   <p:embed/>
                   <p:pic>
                     <p:nvPicPr>
@@ -8531,8 +9231,8 @@
                     </p:blipFill>
                     <p:spPr>
                       <a:xfrm>
-                        <a:off x="3221234" y="3094412"/>
-                        <a:ext cx="177800" cy="241300"/>
+                        <a:off x="6564313" y="4405313"/>
+                        <a:ext cx="266700" cy="241300"/>
                       </a:xfrm>
                       <a:prstGeom prst="rect">
                         <a:avLst/>
@@ -8560,25 +9260,25 @@
           <p:nvPr>
             <p:extLst>
               <p:ext uri="{D42A27DB-BD31-4B8C-83A1-F6EECF244321}">
-                <p14:modId xmlns:p14="http://schemas.microsoft.com/office/powerpoint/2010/main" val="4193099935"/>
+                <p14:modId xmlns:p14="http://schemas.microsoft.com/office/powerpoint/2010/main" val="365570664"/>
               </p:ext>
             </p:extLst>
           </p:nvPr>
         </p:nvGraphicFramePr>
         <p:xfrm>
-          <a:off x="2989705" y="2522883"/>
-          <a:ext cx="177800" cy="241300"/>
+          <a:off x="6316663" y="3859213"/>
+          <a:ext cx="203200" cy="241300"/>
         </p:xfrm>
         <a:graphic>
           <a:graphicData uri="http://schemas.openxmlformats.org/presentationml/2006/ole">
             <mc:AlternateContent xmlns:mc="http://schemas.openxmlformats.org/markup-compatibility/2006">
               <mc:Choice xmlns:v="urn:schemas-microsoft-com:vml" Requires="v">
-                <p:oleObj spid="_x0000_s2244" name="Equation" r:id="rId24" imgW="177480" imgH="241200" progId="Equation.DSMT4">
+                <p:oleObj spid="_x0000_s2594" name="Equation" r:id="rId24" imgW="203040" imgH="241200" progId="Equation.DSMT4">
                   <p:embed/>
                 </p:oleObj>
               </mc:Choice>
               <mc:Fallback>
-                <p:oleObj name="Equation" r:id="rId24" imgW="177480" imgH="241200" progId="Equation.DSMT4">
+                <p:oleObj name="Equation" r:id="rId24" imgW="203040" imgH="241200" progId="Equation.DSMT4">
                   <p:embed/>
                   <p:pic>
                     <p:nvPicPr>
@@ -8600,8 +9300,8 @@
                     </p:blipFill>
                     <p:spPr>
                       <a:xfrm>
-                        <a:off x="2989705" y="2522883"/>
-                        <a:ext cx="177800" cy="241300"/>
+                        <a:off x="6316663" y="3859213"/>
+                        <a:ext cx="203200" cy="241300"/>
                       </a:xfrm>
                       <a:prstGeom prst="rect">
                         <a:avLst/>
@@ -8686,25 +9386,25 @@
           <p:nvPr>
             <p:extLst>
               <p:ext uri="{D42A27DB-BD31-4B8C-83A1-F6EECF244321}">
-                <p14:modId xmlns:p14="http://schemas.microsoft.com/office/powerpoint/2010/main" val="2016305286"/>
+                <p14:modId xmlns:p14="http://schemas.microsoft.com/office/powerpoint/2010/main" val="76800238"/>
               </p:ext>
             </p:extLst>
           </p:nvPr>
         </p:nvGraphicFramePr>
         <p:xfrm>
-          <a:off x="4340325" y="4354725"/>
-          <a:ext cx="127000" cy="177800"/>
+          <a:off x="4302125" y="4341813"/>
+          <a:ext cx="203200" cy="203200"/>
         </p:xfrm>
         <a:graphic>
           <a:graphicData uri="http://schemas.openxmlformats.org/presentationml/2006/ole">
             <mc:AlternateContent xmlns:mc="http://schemas.openxmlformats.org/markup-compatibility/2006">
               <mc:Choice xmlns:v="urn:schemas-microsoft-com:vml" Requires="v">
-                <p:oleObj spid="_x0000_s2245" name="Equation" r:id="rId26" imgW="126720" imgH="177480" progId="Equation.DSMT4">
+                <p:oleObj spid="_x0000_s2595" name="Equation" r:id="rId26" imgW="203040" imgH="203040" progId="Equation.DSMT4">
                   <p:embed/>
                 </p:oleObj>
               </mc:Choice>
               <mc:Fallback>
-                <p:oleObj name="Equation" r:id="rId26" imgW="126720" imgH="177480" progId="Equation.DSMT4">
+                <p:oleObj name="Equation" r:id="rId26" imgW="203040" imgH="203040" progId="Equation.DSMT4">
                   <p:embed/>
                   <p:pic>
                     <p:nvPicPr>
@@ -8720,8 +9420,8 @@
                     </p:blipFill>
                     <p:spPr>
                       <a:xfrm>
-                        <a:off x="4340325" y="4354725"/>
-                        <a:ext cx="127000" cy="177800"/>
+                        <a:off x="4302125" y="4341813"/>
+                        <a:ext cx="203200" cy="203200"/>
                       </a:xfrm>
                       <a:prstGeom prst="rect">
                         <a:avLst/>
@@ -8748,13 +9448,16 @@
         </p:nvCxnSpPr>
         <p:spPr>
           <a:xfrm flipV="1">
-            <a:off x="3895215" y="3905250"/>
+            <a:off x="3895076" y="3896044"/>
             <a:ext cx="947295" cy="407669"/>
           </a:xfrm>
           <a:prstGeom prst="straightConnector1">
             <a:avLst/>
           </a:prstGeom>
           <a:ln>
+            <a:solidFill>
+              <a:srgbClr val="FF0000"/>
+            </a:solidFill>
             <a:tailEnd type="triangle"/>
           </a:ln>
         </p:spPr>
@@ -8788,20 +9491,20 @@
           <p:nvPr>
             <p:extLst>
               <p:ext uri="{D42A27DB-BD31-4B8C-83A1-F6EECF244321}">
-                <p14:modId xmlns:p14="http://schemas.microsoft.com/office/powerpoint/2010/main" val="2965336948"/>
+                <p14:modId xmlns:p14="http://schemas.microsoft.com/office/powerpoint/2010/main" val="722193249"/>
               </p:ext>
             </p:extLst>
           </p:nvPr>
         </p:nvGraphicFramePr>
         <p:xfrm>
-          <a:off x="4702273" y="3912956"/>
+          <a:off x="5036816" y="3583934"/>
           <a:ext cx="215900" cy="241300"/>
         </p:xfrm>
         <a:graphic>
           <a:graphicData uri="http://schemas.openxmlformats.org/presentationml/2006/ole">
             <mc:AlternateContent xmlns:mc="http://schemas.openxmlformats.org/markup-compatibility/2006">
               <mc:Choice xmlns:v="urn:schemas-microsoft-com:vml" Requires="v">
-                <p:oleObj spid="_x0000_s2246" name="Equation" r:id="rId28" imgW="215640" imgH="241200" progId="Equation.DSMT4">
+                <p:oleObj spid="_x0000_s2596" name="Equation" r:id="rId28" imgW="215640" imgH="241200" progId="Equation.DSMT4">
                   <p:embed/>
                 </p:oleObj>
               </mc:Choice>
@@ -8828,7 +9531,7 @@
                     </p:blipFill>
                     <p:spPr>
                       <a:xfrm>
-                        <a:off x="4702273" y="3912956"/>
+                        <a:off x="5036816" y="3583934"/>
                         <a:ext cx="215900" cy="241300"/>
                       </a:xfrm>
                       <a:prstGeom prst="rect">
@@ -8857,25 +9560,25 @@
           <p:nvPr>
             <p:extLst>
               <p:ext uri="{D42A27DB-BD31-4B8C-83A1-F6EECF244321}">
-                <p14:modId xmlns:p14="http://schemas.microsoft.com/office/powerpoint/2010/main" val="1453275747"/>
+                <p14:modId xmlns:p14="http://schemas.microsoft.com/office/powerpoint/2010/main" val="1537441306"/>
               </p:ext>
             </p:extLst>
           </p:nvPr>
         </p:nvGraphicFramePr>
         <p:xfrm>
-          <a:off x="4677109" y="3600311"/>
-          <a:ext cx="206375" cy="258763"/>
+          <a:off x="4633913" y="3608388"/>
+          <a:ext cx="292100" cy="241300"/>
         </p:xfrm>
         <a:graphic>
           <a:graphicData uri="http://schemas.openxmlformats.org/presentationml/2006/ole">
             <mc:AlternateContent xmlns:mc="http://schemas.openxmlformats.org/markup-compatibility/2006">
               <mc:Choice xmlns:v="urn:schemas-microsoft-com:vml" Requires="v">
-                <p:oleObj spid="_x0000_s2247" name="Equation" r:id="rId30" imgW="205846" imgH="259190" progId="Equation.DSMT4">
+                <p:oleObj spid="_x0000_s2597" name="Equation" r:id="rId30" imgW="291960" imgH="241200" progId="Equation.DSMT4">
                   <p:embed/>
                 </p:oleObj>
               </mc:Choice>
               <mc:Fallback>
-                <p:oleObj name="Equation" r:id="rId30" imgW="205846" imgH="259190" progId="Equation.DSMT4">
+                <p:oleObj name="Equation" r:id="rId30" imgW="291960" imgH="241200" progId="Equation.DSMT4">
                   <p:embed/>
                   <p:pic>
                     <p:nvPicPr>
@@ -8891,8 +9594,8 @@
                     </p:blipFill>
                     <p:spPr>
                       <a:xfrm>
-                        <a:off x="4677109" y="3600311"/>
-                        <a:ext cx="206375" cy="258763"/>
+                        <a:off x="4633913" y="3608388"/>
+                        <a:ext cx="292100" cy="241300"/>
                       </a:xfrm>
                       <a:prstGeom prst="rect">
                         <a:avLst/>
@@ -8927,7 +9630,7 @@
               <a:gd name="adj1" fmla="val 12500"/>
               <a:gd name="adj2" fmla="val 1142319"/>
               <a:gd name="adj3" fmla="val 20457681"/>
-              <a:gd name="adj4" fmla="val 11755563"/>
+              <a:gd name="adj4" fmla="val 15201381"/>
               <a:gd name="adj5" fmla="val 12500"/>
             </a:avLst>
           </a:prstGeom>
@@ -9043,25 +9746,25 @@
           <p:nvPr>
             <p:extLst>
               <p:ext uri="{D42A27DB-BD31-4B8C-83A1-F6EECF244321}">
-                <p14:modId xmlns:p14="http://schemas.microsoft.com/office/powerpoint/2010/main" val="2032793189"/>
+                <p14:modId xmlns:p14="http://schemas.microsoft.com/office/powerpoint/2010/main" val="747214063"/>
               </p:ext>
             </p:extLst>
           </p:nvPr>
         </p:nvGraphicFramePr>
         <p:xfrm>
-          <a:off x="4535488" y="4341882"/>
-          <a:ext cx="127000" cy="165100"/>
+          <a:off x="4584664" y="4306734"/>
+          <a:ext cx="203200" cy="228600"/>
         </p:xfrm>
         <a:graphic>
           <a:graphicData uri="http://schemas.openxmlformats.org/presentationml/2006/ole">
             <mc:AlternateContent xmlns:mc="http://schemas.openxmlformats.org/markup-compatibility/2006">
               <mc:Choice xmlns:v="urn:schemas-microsoft-com:vml" Requires="v">
-                <p:oleObj spid="_x0000_s2248" name="Equation" r:id="rId32" imgW="126720" imgH="164880" progId="Equation.DSMT4">
+                <p:oleObj spid="_x0000_s2598" name="Equation" r:id="rId32" imgW="203040" imgH="228600" progId="Equation.DSMT4">
                   <p:embed/>
                 </p:oleObj>
               </mc:Choice>
               <mc:Fallback>
-                <p:oleObj name="Equation" r:id="rId32" imgW="126720" imgH="164880" progId="Equation.DSMT4">
+                <p:oleObj name="Equation" r:id="rId32" imgW="203040" imgH="228600" progId="Equation.DSMT4">
                   <p:embed/>
                   <p:pic>
                     <p:nvPicPr>
@@ -9077,8 +9780,8 @@
                     </p:blipFill>
                     <p:spPr>
                       <a:xfrm>
-                        <a:off x="4535488" y="4341882"/>
-                        <a:ext cx="127000" cy="165100"/>
+                        <a:off x="4584664" y="4306734"/>
+                        <a:ext cx="203200" cy="228600"/>
                       </a:xfrm>
                       <a:prstGeom prst="rect">
                         <a:avLst/>
@@ -9106,25 +9809,25 @@
           <p:nvPr>
             <p:extLst>
               <p:ext uri="{D42A27DB-BD31-4B8C-83A1-F6EECF244321}">
-                <p14:modId xmlns:p14="http://schemas.microsoft.com/office/powerpoint/2010/main" val="2457979127"/>
+                <p14:modId xmlns:p14="http://schemas.microsoft.com/office/powerpoint/2010/main" val="1100542057"/>
               </p:ext>
             </p:extLst>
           </p:nvPr>
         </p:nvGraphicFramePr>
         <p:xfrm>
-          <a:off x="4549353" y="4079875"/>
-          <a:ext cx="152400" cy="139700"/>
+          <a:off x="4187825" y="3695250"/>
+          <a:ext cx="215900" cy="203200"/>
         </p:xfrm>
         <a:graphic>
           <a:graphicData uri="http://schemas.openxmlformats.org/presentationml/2006/ole">
             <mc:AlternateContent xmlns:mc="http://schemas.openxmlformats.org/markup-compatibility/2006">
               <mc:Choice xmlns:v="urn:schemas-microsoft-com:vml" Requires="v">
-                <p:oleObj spid="_x0000_s2249" name="Equation" r:id="rId34" imgW="152280" imgH="139680" progId="Equation.DSMT4">
+                <p:oleObj spid="_x0000_s2599" name="Equation" r:id="rId34" imgW="215640" imgH="203040" progId="Equation.DSMT4">
                   <p:embed/>
                 </p:oleObj>
               </mc:Choice>
               <mc:Fallback>
-                <p:oleObj name="Equation" r:id="rId34" imgW="152280" imgH="139680" progId="Equation.DSMT4">
+                <p:oleObj name="Equation" r:id="rId34" imgW="215640" imgH="203040" progId="Equation.DSMT4">
                   <p:embed/>
                   <p:pic>
                     <p:nvPicPr>
@@ -9140,8 +9843,8 @@
                     </p:blipFill>
                     <p:spPr>
                       <a:xfrm>
-                        <a:off x="4549353" y="4079875"/>
-                        <a:ext cx="152400" cy="139700"/>
+                        <a:off x="4187825" y="3695250"/>
+                        <a:ext cx="215900" cy="203200"/>
                       </a:xfrm>
                       <a:prstGeom prst="rect">
                         <a:avLst/>
@@ -9209,13 +9912,12 @@
           </p:cNvPr>
           <p:cNvCxnSpPr>
             <a:cxnSpLocks/>
-            <a:endCxn id="55" idx="0"/>
           </p:cNvCxnSpPr>
           <p:nvPr/>
         </p:nvCxnSpPr>
         <p:spPr>
           <a:xfrm>
-            <a:off x="4473032" y="4238148"/>
+            <a:off x="4484627" y="4240467"/>
             <a:ext cx="125956" cy="103734"/>
           </a:xfrm>
           <a:prstGeom prst="line">
@@ -9257,9 +9959,9 @@
           <p:nvPr/>
         </p:nvCxnSpPr>
         <p:spPr>
-          <a:xfrm>
-            <a:off x="4455769" y="4009627"/>
-            <a:ext cx="125956" cy="103734"/>
+          <a:xfrm flipH="1" flipV="1">
+            <a:off x="4296048" y="3858046"/>
+            <a:ext cx="148206" cy="159384"/>
           </a:xfrm>
           <a:prstGeom prst="line">
             <a:avLst/>
@@ -9344,25 +10046,25 @@
           <p:nvPr>
             <p:extLst>
               <p:ext uri="{D42A27DB-BD31-4B8C-83A1-F6EECF244321}">
-                <p14:modId xmlns:p14="http://schemas.microsoft.com/office/powerpoint/2010/main" val="4130468562"/>
+                <p14:modId xmlns:p14="http://schemas.microsoft.com/office/powerpoint/2010/main" val="198907991"/>
               </p:ext>
             </p:extLst>
           </p:nvPr>
         </p:nvGraphicFramePr>
         <p:xfrm>
-          <a:off x="4159183" y="4520541"/>
-          <a:ext cx="190500" cy="241300"/>
+          <a:off x="4231088" y="4581960"/>
+          <a:ext cx="292100" cy="241300"/>
         </p:xfrm>
         <a:graphic>
           <a:graphicData uri="http://schemas.openxmlformats.org/presentationml/2006/ole">
             <mc:AlternateContent xmlns:mc="http://schemas.openxmlformats.org/markup-compatibility/2006">
               <mc:Choice xmlns:v="urn:schemas-microsoft-com:vml" Requires="v">
-                <p:oleObj spid="_x0000_s2250" name="Equation" r:id="rId36" imgW="190440" imgH="241200" progId="Equation.DSMT4">
+                <p:oleObj spid="_x0000_s2600" name="Equation" r:id="rId36" imgW="291960" imgH="241200" progId="Equation.DSMT4">
                   <p:embed/>
                 </p:oleObj>
               </mc:Choice>
               <mc:Fallback>
-                <p:oleObj name="Equation" r:id="rId36" imgW="190440" imgH="241200" progId="Equation.DSMT4">
+                <p:oleObj name="Equation" r:id="rId36" imgW="291960" imgH="241200" progId="Equation.DSMT4">
                   <p:embed/>
                   <p:pic>
                     <p:nvPicPr>
@@ -9378,8 +10080,8 @@
                     </p:blipFill>
                     <p:spPr>
                       <a:xfrm>
-                        <a:off x="4159183" y="4520541"/>
-                        <a:ext cx="190500" cy="241300"/>
+                        <a:off x="4231088" y="4581960"/>
+                        <a:ext cx="292100" cy="241300"/>
                       </a:xfrm>
                       <a:prstGeom prst="rect">
                         <a:avLst/>
@@ -9451,25 +10153,25 @@
           <p:nvPr>
             <p:extLst>
               <p:ext uri="{D42A27DB-BD31-4B8C-83A1-F6EECF244321}">
-                <p14:modId xmlns:p14="http://schemas.microsoft.com/office/powerpoint/2010/main" val="1271412653"/>
+                <p14:modId xmlns:p14="http://schemas.microsoft.com/office/powerpoint/2010/main" val="675588823"/>
               </p:ext>
             </p:extLst>
           </p:nvPr>
         </p:nvGraphicFramePr>
         <p:xfrm>
-          <a:off x="7275707" y="2424457"/>
-          <a:ext cx="165100" cy="241300"/>
+          <a:off x="7224713" y="2424113"/>
+          <a:ext cx="266700" cy="241300"/>
         </p:xfrm>
         <a:graphic>
           <a:graphicData uri="http://schemas.openxmlformats.org/presentationml/2006/ole">
             <mc:AlternateContent xmlns:mc="http://schemas.openxmlformats.org/markup-compatibility/2006">
               <mc:Choice xmlns:v="urn:schemas-microsoft-com:vml" Requires="v">
-                <p:oleObj spid="_x0000_s2251" name="Equation" r:id="rId38" imgW="164880" imgH="241200" progId="Equation.DSMT4">
+                <p:oleObj spid="_x0000_s2601" name="Equation" r:id="rId38" imgW="266400" imgH="241200" progId="Equation.DSMT4">
                   <p:embed/>
                 </p:oleObj>
               </mc:Choice>
               <mc:Fallback>
-                <p:oleObj name="Equation" r:id="rId38" imgW="164880" imgH="241200" progId="Equation.DSMT4">
+                <p:oleObj name="Equation" r:id="rId38" imgW="266400" imgH="241200" progId="Equation.DSMT4">
                   <p:embed/>
                   <p:pic>
                     <p:nvPicPr>
@@ -9491,8 +10193,8 @@
                     </p:blipFill>
                     <p:spPr>
                       <a:xfrm>
-                        <a:off x="7275707" y="2424457"/>
-                        <a:ext cx="165100" cy="241300"/>
+                        <a:off x="7224713" y="2424113"/>
+                        <a:ext cx="266700" cy="241300"/>
                       </a:xfrm>
                       <a:prstGeom prst="rect">
                         <a:avLst/>
@@ -9520,25 +10222,25 @@
           <p:nvPr>
             <p:extLst>
               <p:ext uri="{D42A27DB-BD31-4B8C-83A1-F6EECF244321}">
-                <p14:modId xmlns:p14="http://schemas.microsoft.com/office/powerpoint/2010/main" val="1487492408"/>
+                <p14:modId xmlns:p14="http://schemas.microsoft.com/office/powerpoint/2010/main" val="4279680343"/>
               </p:ext>
             </p:extLst>
           </p:nvPr>
         </p:nvGraphicFramePr>
         <p:xfrm>
-          <a:off x="6305550" y="3143250"/>
-          <a:ext cx="165100" cy="241300"/>
+          <a:off x="6241029" y="3143388"/>
+          <a:ext cx="254000" cy="241300"/>
         </p:xfrm>
         <a:graphic>
           <a:graphicData uri="http://schemas.openxmlformats.org/presentationml/2006/ole">
             <mc:AlternateContent xmlns:mc="http://schemas.openxmlformats.org/markup-compatibility/2006">
               <mc:Choice xmlns:v="urn:schemas-microsoft-com:vml" Requires="v">
-                <p:oleObj spid="_x0000_s2252" name="Equation" r:id="rId40" imgW="164880" imgH="241200" progId="Equation.DSMT4">
+                <p:oleObj spid="_x0000_s2602" name="Equation" r:id="rId40" imgW="253800" imgH="241200" progId="Equation.DSMT4">
                   <p:embed/>
                 </p:oleObj>
               </mc:Choice>
               <mc:Fallback>
-                <p:oleObj name="Equation" r:id="rId40" imgW="164880" imgH="241200" progId="Equation.DSMT4">
+                <p:oleObj name="Equation" r:id="rId40" imgW="253800" imgH="241200" progId="Equation.DSMT4">
                   <p:embed/>
                   <p:pic>
                     <p:nvPicPr>
@@ -9554,8 +10256,8 @@
                     </p:blipFill>
                     <p:spPr>
                       <a:xfrm>
-                        <a:off x="6305550" y="3143250"/>
-                        <a:ext cx="165100" cy="241300"/>
+                        <a:off x="6241029" y="3143388"/>
+                        <a:ext cx="254000" cy="241300"/>
                       </a:xfrm>
                       <a:prstGeom prst="rect">
                         <a:avLst/>
@@ -9568,6 +10270,361 @@
           </a:graphicData>
         </a:graphic>
       </p:graphicFrame>
+      <p:cxnSp>
+        <p:nvCxnSpPr>
+          <p:cNvPr id="47" name="直接箭头连接符 46">
+            <a:extLst>
+              <a:ext uri="{FF2B5EF4-FFF2-40B4-BE49-F238E27FC236}">
+                <a16:creationId xmlns:a16="http://schemas.microsoft.com/office/drawing/2014/main" id="{90CC9CB1-C831-46C5-AC51-E6EFBFD73C9C}"/>
+              </a:ext>
+            </a:extLst>
+          </p:cNvPr>
+          <p:cNvCxnSpPr>
+            <a:cxnSpLocks/>
+          </p:cNvCxnSpPr>
+          <p:nvPr/>
+        </p:nvCxnSpPr>
+        <p:spPr>
+          <a:xfrm flipV="1">
+            <a:off x="3894310" y="4062485"/>
+            <a:ext cx="920603" cy="243383"/>
+          </a:xfrm>
+          <a:prstGeom prst="straightConnector1">
+            <a:avLst/>
+          </a:prstGeom>
+          <a:ln>
+            <a:prstDash val="dash"/>
+            <a:tailEnd type="triangle"/>
+          </a:ln>
+        </p:spPr>
+        <p:style>
+          <a:lnRef idx="1">
+            <a:schemeClr val="accent1"/>
+          </a:lnRef>
+          <a:fillRef idx="0">
+            <a:schemeClr val="accent1"/>
+          </a:fillRef>
+          <a:effectRef idx="0">
+            <a:schemeClr val="accent1"/>
+          </a:effectRef>
+          <a:fontRef idx="minor">
+            <a:schemeClr val="tx1"/>
+          </a:fontRef>
+        </p:style>
+      </p:cxnSp>
+      <p:graphicFrame>
+        <p:nvGraphicFramePr>
+          <p:cNvPr id="53" name="对象 52">
+            <a:extLst>
+              <a:ext uri="{FF2B5EF4-FFF2-40B4-BE49-F238E27FC236}">
+                <a16:creationId xmlns:a16="http://schemas.microsoft.com/office/drawing/2014/main" id="{7883DB7C-6A39-4175-8C0F-425560B32709}"/>
+              </a:ext>
+            </a:extLst>
+          </p:cNvPr>
+          <p:cNvGraphicFramePr>
+            <a:graphicFrameLocks noChangeAspect="1"/>
+          </p:cNvGraphicFramePr>
+          <p:nvPr>
+            <p:extLst>
+              <p:ext uri="{D42A27DB-BD31-4B8C-83A1-F6EECF244321}">
+                <p14:modId xmlns:p14="http://schemas.microsoft.com/office/powerpoint/2010/main" val="1093428268"/>
+              </p:ext>
+            </p:extLst>
+          </p:nvPr>
+        </p:nvGraphicFramePr>
+        <p:xfrm>
+          <a:off x="5011455" y="3964273"/>
+          <a:ext cx="215900" cy="254000"/>
+        </p:xfrm>
+        <a:graphic>
+          <a:graphicData uri="http://schemas.openxmlformats.org/presentationml/2006/ole">
+            <mc:AlternateContent xmlns:mc="http://schemas.openxmlformats.org/markup-compatibility/2006">
+              <mc:Choice xmlns:v="urn:schemas-microsoft-com:vml" Requires="v">
+                <p:oleObj spid="_x0000_s2603" name="Equation" r:id="rId42" imgW="215640" imgH="253800" progId="Equation.DSMT4">
+                  <p:embed/>
+                </p:oleObj>
+              </mc:Choice>
+              <mc:Fallback>
+                <p:oleObj name="Equation" r:id="rId42" imgW="215640" imgH="253800" progId="Equation.DSMT4">
+                  <p:embed/>
+                  <p:pic>
+                    <p:nvPicPr>
+                      <p:cNvPr id="55" name="对象 54">
+                        <a:extLst>
+                          <a:ext uri="{FF2B5EF4-FFF2-40B4-BE49-F238E27FC236}">
+                            <a16:creationId xmlns:a16="http://schemas.microsoft.com/office/drawing/2014/main" id="{57942AF6-85FC-4E90-953F-3D37046DC0E5}"/>
+                          </a:ext>
+                        </a:extLst>
+                      </p:cNvPr>
+                      <p:cNvPicPr/>
+                      <p:nvPr/>
+                    </p:nvPicPr>
+                    <p:blipFill>
+                      <a:blip r:embed="rId43"/>
+                      <a:stretch>
+                        <a:fillRect/>
+                      </a:stretch>
+                    </p:blipFill>
+                    <p:spPr>
+                      <a:xfrm>
+                        <a:off x="5011455" y="3964273"/>
+                        <a:ext cx="215900" cy="254000"/>
+                      </a:xfrm>
+                      <a:prstGeom prst="rect">
+                        <a:avLst/>
+                      </a:prstGeom>
+                    </p:spPr>
+                  </p:pic>
+                </p:oleObj>
+              </mc:Fallback>
+            </mc:AlternateContent>
+          </a:graphicData>
+        </a:graphic>
+      </p:graphicFrame>
+      <p:cxnSp>
+        <p:nvCxnSpPr>
+          <p:cNvPr id="54" name="直接箭头连接符 53">
+            <a:extLst>
+              <a:ext uri="{FF2B5EF4-FFF2-40B4-BE49-F238E27FC236}">
+                <a16:creationId xmlns:a16="http://schemas.microsoft.com/office/drawing/2014/main" id="{52A5B5E0-C690-4D2F-BBE7-3808468A85AE}"/>
+              </a:ext>
+            </a:extLst>
+          </p:cNvPr>
+          <p:cNvCxnSpPr>
+            <a:cxnSpLocks/>
+          </p:cNvCxnSpPr>
+          <p:nvPr/>
+        </p:nvCxnSpPr>
+        <p:spPr>
+          <a:xfrm flipH="1">
+            <a:off x="4811553" y="3898031"/>
+            <a:ext cx="27326" cy="176307"/>
+          </a:xfrm>
+          <a:prstGeom prst="straightConnector1">
+            <a:avLst/>
+          </a:prstGeom>
+          <a:ln>
+            <a:solidFill>
+              <a:srgbClr val="92D050"/>
+            </a:solidFill>
+            <a:prstDash val="dash"/>
+            <a:tailEnd type="triangle"/>
+          </a:ln>
+        </p:spPr>
+        <p:style>
+          <a:lnRef idx="1">
+            <a:schemeClr val="accent1"/>
+          </a:lnRef>
+          <a:fillRef idx="0">
+            <a:schemeClr val="accent1"/>
+          </a:fillRef>
+          <a:effectRef idx="0">
+            <a:schemeClr val="accent1"/>
+          </a:effectRef>
+          <a:fontRef idx="minor">
+            <a:schemeClr val="tx1"/>
+          </a:fontRef>
+        </p:style>
+      </p:cxnSp>
+      <p:graphicFrame>
+        <p:nvGraphicFramePr>
+          <p:cNvPr id="57" name="对象 56">
+            <a:extLst>
+              <a:ext uri="{FF2B5EF4-FFF2-40B4-BE49-F238E27FC236}">
+                <a16:creationId xmlns:a16="http://schemas.microsoft.com/office/drawing/2014/main" id="{A51C6904-C3A7-46BB-8CD1-F28ED81B0DAD}"/>
+              </a:ext>
+            </a:extLst>
+          </p:cNvPr>
+          <p:cNvGraphicFramePr>
+            <a:graphicFrameLocks noChangeAspect="1"/>
+          </p:cNvGraphicFramePr>
+          <p:nvPr>
+            <p:extLst>
+              <p:ext uri="{D42A27DB-BD31-4B8C-83A1-F6EECF244321}">
+                <p14:modId xmlns:p14="http://schemas.microsoft.com/office/powerpoint/2010/main" val="995503521"/>
+              </p:ext>
+            </p:extLst>
+          </p:nvPr>
+        </p:nvGraphicFramePr>
+        <p:xfrm>
+          <a:off x="5008814" y="3772575"/>
+          <a:ext cx="304800" cy="241300"/>
+        </p:xfrm>
+        <a:graphic>
+          <a:graphicData uri="http://schemas.openxmlformats.org/presentationml/2006/ole">
+            <mc:AlternateContent xmlns:mc="http://schemas.openxmlformats.org/markup-compatibility/2006">
+              <mc:Choice xmlns:v="urn:schemas-microsoft-com:vml" Requires="v">
+                <p:oleObj spid="_x0000_s2604" name="Equation" r:id="rId44" imgW="304560" imgH="241200" progId="Equation.DSMT4">
+                  <p:embed/>
+                </p:oleObj>
+              </mc:Choice>
+              <mc:Fallback>
+                <p:oleObj name="Equation" r:id="rId44" imgW="304560" imgH="241200" progId="Equation.DSMT4">
+                  <p:embed/>
+                  <p:pic>
+                    <p:nvPicPr>
+                      <p:cNvPr id="61" name="对象 60">
+                        <a:extLst>
+                          <a:ext uri="{FF2B5EF4-FFF2-40B4-BE49-F238E27FC236}">
+                            <a16:creationId xmlns:a16="http://schemas.microsoft.com/office/drawing/2014/main" id="{C62C42FE-3963-41CF-901A-F29D551FDA14}"/>
+                          </a:ext>
+                        </a:extLst>
+                      </p:cNvPr>
+                      <p:cNvPicPr/>
+                      <p:nvPr/>
+                    </p:nvPicPr>
+                    <p:blipFill>
+                      <a:blip r:embed="rId45"/>
+                      <a:stretch>
+                        <a:fillRect/>
+                      </a:stretch>
+                    </p:blipFill>
+                    <p:spPr>
+                      <a:xfrm>
+                        <a:off x="5008814" y="3772575"/>
+                        <a:ext cx="304800" cy="241300"/>
+                      </a:xfrm>
+                      <a:prstGeom prst="rect">
+                        <a:avLst/>
+                      </a:prstGeom>
+                    </p:spPr>
+                  </p:pic>
+                </p:oleObj>
+              </mc:Fallback>
+            </mc:AlternateContent>
+          </a:graphicData>
+        </a:graphic>
+      </p:graphicFrame>
+      <p:cxnSp>
+        <p:nvCxnSpPr>
+          <p:cNvPr id="59" name="直接连接符 58">
+            <a:extLst>
+              <a:ext uri="{FF2B5EF4-FFF2-40B4-BE49-F238E27FC236}">
+                <a16:creationId xmlns:a16="http://schemas.microsoft.com/office/drawing/2014/main" id="{DF69F2A8-4947-454F-A7D3-2D17E0449C82}"/>
+              </a:ext>
+            </a:extLst>
+          </p:cNvPr>
+          <p:cNvCxnSpPr>
+            <a:cxnSpLocks/>
+          </p:cNvCxnSpPr>
+          <p:nvPr/>
+        </p:nvCxnSpPr>
+        <p:spPr>
+          <a:xfrm flipH="1">
+            <a:off x="4865339" y="3871201"/>
+            <a:ext cx="158781" cy="118607"/>
+          </a:xfrm>
+          <a:prstGeom prst="line">
+            <a:avLst/>
+          </a:prstGeom>
+          <a:ln>
+            <a:solidFill>
+              <a:schemeClr val="tx1"/>
+            </a:solidFill>
+          </a:ln>
+        </p:spPr>
+        <p:style>
+          <a:lnRef idx="1">
+            <a:schemeClr val="accent1"/>
+          </a:lnRef>
+          <a:fillRef idx="0">
+            <a:schemeClr val="accent1"/>
+          </a:fillRef>
+          <a:effectRef idx="0">
+            <a:schemeClr val="accent1"/>
+          </a:effectRef>
+          <a:fontRef idx="minor">
+            <a:schemeClr val="tx1"/>
+          </a:fontRef>
+        </p:style>
+      </p:cxnSp>
+      <p:cxnSp>
+        <p:nvCxnSpPr>
+          <p:cNvPr id="62" name="直接连接符 61">
+            <a:extLst>
+              <a:ext uri="{FF2B5EF4-FFF2-40B4-BE49-F238E27FC236}">
+                <a16:creationId xmlns:a16="http://schemas.microsoft.com/office/drawing/2014/main" id="{B5F673EE-C27D-41BF-8191-A70B6E3B7DBC}"/>
+              </a:ext>
+            </a:extLst>
+          </p:cNvPr>
+          <p:cNvCxnSpPr>
+            <a:cxnSpLocks/>
+          </p:cNvCxnSpPr>
+          <p:nvPr/>
+        </p:nvCxnSpPr>
+        <p:spPr>
+          <a:xfrm flipH="1">
+            <a:off x="4863288" y="3766678"/>
+            <a:ext cx="153024" cy="124647"/>
+          </a:xfrm>
+          <a:prstGeom prst="line">
+            <a:avLst/>
+          </a:prstGeom>
+          <a:ln>
+            <a:solidFill>
+              <a:schemeClr val="tx1"/>
+            </a:solidFill>
+          </a:ln>
+        </p:spPr>
+        <p:style>
+          <a:lnRef idx="1">
+            <a:schemeClr val="accent1"/>
+          </a:lnRef>
+          <a:fillRef idx="0">
+            <a:schemeClr val="accent1"/>
+          </a:fillRef>
+          <a:effectRef idx="0">
+            <a:schemeClr val="accent1"/>
+          </a:effectRef>
+          <a:fontRef idx="minor">
+            <a:schemeClr val="tx1"/>
+          </a:fontRef>
+        </p:style>
+      </p:cxnSp>
+      <p:cxnSp>
+        <p:nvCxnSpPr>
+          <p:cNvPr id="63" name="直接连接符 62">
+            <a:extLst>
+              <a:ext uri="{FF2B5EF4-FFF2-40B4-BE49-F238E27FC236}">
+                <a16:creationId xmlns:a16="http://schemas.microsoft.com/office/drawing/2014/main" id="{F2F362ED-B9A4-496B-B328-6C3711375CDB}"/>
+              </a:ext>
+            </a:extLst>
+          </p:cNvPr>
+          <p:cNvCxnSpPr>
+            <a:cxnSpLocks/>
+            <a:stCxn id="53" idx="1"/>
+          </p:cNvCxnSpPr>
+          <p:nvPr/>
+        </p:nvCxnSpPr>
+        <p:spPr>
+          <a:xfrm flipH="1">
+            <a:off x="4768687" y="4091273"/>
+            <a:ext cx="242768" cy="15674"/>
+          </a:xfrm>
+          <a:prstGeom prst="line">
+            <a:avLst/>
+          </a:prstGeom>
+          <a:ln>
+            <a:solidFill>
+              <a:schemeClr val="tx1"/>
+            </a:solidFill>
+          </a:ln>
+        </p:spPr>
+        <p:style>
+          <a:lnRef idx="1">
+            <a:schemeClr val="accent1"/>
+          </a:lnRef>
+          <a:fillRef idx="0">
+            <a:schemeClr val="accent1"/>
+          </a:fillRef>
+          <a:effectRef idx="0">
+            <a:schemeClr val="accent1"/>
+          </a:effectRef>
+          <a:fontRef idx="minor">
+            <a:schemeClr val="tx1"/>
+          </a:fontRef>
+        </p:style>
+      </p:cxnSp>
     </p:spTree>
     <p:extLst>
       <p:ext uri="{BB962C8B-B14F-4D97-AF65-F5344CB8AC3E}">
